--- a/Slides/Lecture 1-1.pptx
+++ b/Slides/Lecture 1-1.pptx
@@ -239,7 +239,7 @@
             <a:fld id="{A6781D3C-003D-4837-A496-9A32CDA8003A}" type="datetimeFigureOut">
               <a:rPr lang="en-US" smtClean="0"/>
               <a:pPr/>
-              <a:t>2/2/19</a:t>
+              <a:t>1/14/2019</a:t>
             </a:fld>
             <a:endParaRPr lang="en-US"/>
           </a:p>
@@ -303,37 +303,38 @@
           <a:p>
             <a:pPr lvl="0"/>
             <a:r>
-              <a:rPr lang="en-US"/>
+              <a:rPr lang="en-US" smtClean="0"/>
               <a:t>Click to edit Master text styles</a:t>
             </a:r>
           </a:p>
           <a:p>
             <a:pPr lvl="1"/>
             <a:r>
-              <a:rPr lang="en-US"/>
+              <a:rPr lang="en-US" smtClean="0"/>
               <a:t>Second level</a:t>
             </a:r>
           </a:p>
           <a:p>
             <a:pPr lvl="2"/>
             <a:r>
-              <a:rPr lang="en-US"/>
+              <a:rPr lang="en-US" smtClean="0"/>
               <a:t>Third level</a:t>
             </a:r>
           </a:p>
           <a:p>
             <a:pPr lvl="3"/>
             <a:r>
-              <a:rPr lang="en-US"/>
+              <a:rPr lang="en-US" smtClean="0"/>
               <a:t>Fourth level</a:t>
             </a:r>
           </a:p>
           <a:p>
             <a:pPr lvl="4"/>
             <a:r>
-              <a:rPr lang="en-US"/>
+              <a:rPr lang="en-US" smtClean="0"/>
               <a:t>Fifth level</a:t>
             </a:r>
+            <a:endParaRPr lang="en-US"/>
           </a:p>
         </p:txBody>
       </p:sp>
@@ -552,9 +553,10 @@
           <a:lstStyle/>
           <a:p>
             <a:r>
-              <a:rPr lang="en-US" dirty="0"/>
+              <a:rPr lang="en-US" dirty="0" smtClean="0"/>
               <a:t>REPLACE</a:t>
             </a:r>
+            <a:endParaRPr lang="en-US" dirty="0"/>
           </a:p>
         </p:txBody>
       </p:sp>
@@ -783,7 +785,7 @@
               </a:pPr>
               <a:t>15</a:t>
             </a:fld>
-            <a:endParaRPr lang="en-US" altLang="en-US"/>
+            <a:endParaRPr lang="en-US" altLang="en-US" smtClean="0"/>
           </a:p>
         </p:txBody>
       </p:sp>
@@ -843,7 +845,7 @@
           <a:lstStyle/>
           <a:p>
             <a:pPr eaLnBrk="1" hangingPunct="1"/>
-            <a:endParaRPr lang="en-US" altLang="en-US"/>
+            <a:endParaRPr lang="en-US" altLang="en-US" smtClean="0"/>
           </a:p>
         </p:txBody>
       </p:sp>
@@ -1096,7 +1098,7 @@
           <a:lstStyle/>
           <a:p>
             <a:pPr eaLnBrk="1" hangingPunct="1"/>
-            <a:endParaRPr lang="en-US" altLang="en-US"/>
+            <a:endParaRPr lang="en-US" altLang="en-US" smtClean="0"/>
           </a:p>
         </p:txBody>
       </p:sp>
@@ -1349,7 +1351,7 @@
           <a:lstStyle/>
           <a:p>
             <a:pPr eaLnBrk="1" hangingPunct="1"/>
-            <a:endParaRPr lang="en-US" altLang="en-US"/>
+            <a:endParaRPr lang="en-US" altLang="en-US" smtClean="0"/>
           </a:p>
         </p:txBody>
       </p:sp>
@@ -1411,7 +1413,7 @@
           <a:lstStyle/>
           <a:p>
             <a:r>
-              <a:rPr lang="en-US" dirty="0"/>
+              <a:rPr lang="en-US" dirty="0" smtClean="0"/>
               <a:t>http://www.imdb.com/title/tt0062622/</a:t>
             </a:r>
           </a:p>
@@ -1649,7 +1651,7 @@
               </a:pPr>
               <a:t>5</a:t>
             </a:fld>
-            <a:endParaRPr lang="en-US" altLang="en-US">
+            <a:endParaRPr lang="en-US" altLang="en-US" smtClean="0">
               <a:solidFill>
                 <a:prstClr val="black"/>
               </a:solidFill>
@@ -1717,7 +1719,7 @@
           <a:lstStyle/>
           <a:p>
             <a:pPr eaLnBrk="1" hangingPunct="1"/>
-            <a:endParaRPr lang="en-US" altLang="en-US"/>
+            <a:endParaRPr lang="en-US" altLang="en-US" smtClean="0"/>
           </a:p>
         </p:txBody>
       </p:sp>
@@ -1970,7 +1972,7 @@
           <a:lstStyle/>
           <a:p>
             <a:pPr eaLnBrk="1" hangingPunct="1"/>
-            <a:endParaRPr lang="en-US" altLang="en-US"/>
+            <a:endParaRPr lang="en-US" altLang="en-US" smtClean="0"/>
           </a:p>
         </p:txBody>
       </p:sp>
@@ -2223,7 +2225,7 @@
           <a:lstStyle/>
           <a:p>
             <a:pPr eaLnBrk="1" hangingPunct="1"/>
-            <a:endParaRPr lang="en-US" altLang="en-US"/>
+            <a:endParaRPr lang="en-US" altLang="en-US" smtClean="0"/>
           </a:p>
         </p:txBody>
       </p:sp>
@@ -2476,7 +2478,7 @@
           <a:lstStyle/>
           <a:p>
             <a:pPr eaLnBrk="1" hangingPunct="1"/>
-            <a:endParaRPr lang="en-US" altLang="en-US"/>
+            <a:endParaRPr lang="en-US" altLang="en-US" smtClean="0"/>
           </a:p>
         </p:txBody>
       </p:sp>
@@ -2673,7 +2675,7 @@
               </a:pPr>
               <a:t>12</a:t>
             </a:fld>
-            <a:endParaRPr lang="en-US" altLang="en-US"/>
+            <a:endParaRPr lang="en-US" altLang="en-US" smtClean="0"/>
           </a:p>
         </p:txBody>
       </p:sp>
@@ -2724,13 +2726,13 @@
           <a:p>
             <a:pPr eaLnBrk="1" hangingPunct="1"/>
             <a:r>
-              <a:rPr lang="en-US" altLang="en-US" dirty="0"/>
+              <a:rPr lang="en-US" altLang="en-US" dirty="0" smtClean="0"/>
               <a:t>MOVE ELSEWHERE?</a:t>
             </a:r>
           </a:p>
           <a:p>
             <a:pPr eaLnBrk="1" hangingPunct="1"/>
-            <a:endParaRPr lang="en-US" altLang="en-US" dirty="0"/>
+            <a:endParaRPr lang="en-US" altLang="en-US" dirty="0" smtClean="0"/>
           </a:p>
         </p:txBody>
       </p:sp>
@@ -2927,7 +2929,7 @@
               </a:pPr>
               <a:t>13</a:t>
             </a:fld>
-            <a:endParaRPr lang="en-US" altLang="en-US"/>
+            <a:endParaRPr lang="en-US" altLang="en-US" smtClean="0"/>
           </a:p>
         </p:txBody>
       </p:sp>
@@ -2978,13 +2980,13 @@
           <a:p>
             <a:pPr eaLnBrk="1" hangingPunct="1"/>
             <a:r>
-              <a:rPr lang="en-US" altLang="en-US" dirty="0"/>
+              <a:rPr lang="en-US" altLang="en-US" dirty="0" smtClean="0"/>
               <a:t>MOVE ELSEWHERE?</a:t>
             </a:r>
           </a:p>
           <a:p>
             <a:pPr eaLnBrk="1" hangingPunct="1"/>
-            <a:endParaRPr lang="en-US" altLang="en-US" dirty="0"/>
+            <a:endParaRPr lang="en-US" altLang="en-US" dirty="0" smtClean="0"/>
           </a:p>
         </p:txBody>
       </p:sp>
@@ -3237,7 +3239,7 @@
           <a:lstStyle/>
           <a:p>
             <a:pPr eaLnBrk="1" hangingPunct="1"/>
-            <a:endParaRPr lang="en-US" altLang="en-US"/>
+            <a:endParaRPr lang="en-US" altLang="en-US" smtClean="0"/>
           </a:p>
         </p:txBody>
       </p:sp>
@@ -3319,9 +3321,10 @@
           </a:lstStyle>
           <a:p>
             <a:r>
-              <a:rPr lang="en-US" dirty="0"/>
+              <a:rPr lang="en-US" dirty="0" smtClean="0"/>
               <a:t>Click to edit Master title style</a:t>
             </a:r>
+            <a:endParaRPr lang="en-US" dirty="0"/>
           </a:p>
         </p:txBody>
       </p:sp>
@@ -3446,9 +3449,10 @@
           </a:lstStyle>
           <a:p>
             <a:r>
-              <a:rPr lang="en-US" dirty="0"/>
+              <a:rPr lang="en-US" dirty="0" smtClean="0"/>
               <a:t>Click to edit Master subtitle style</a:t>
             </a:r>
+            <a:endParaRPr lang="en-US" dirty="0"/>
           </a:p>
         </p:txBody>
       </p:sp>
@@ -3503,9 +3507,10 @@
           <a:lstStyle/>
           <a:p>
             <a:r>
-              <a:rPr lang="en-US"/>
+              <a:rPr lang="en-US" smtClean="0"/>
               <a:t>Click to edit Master title style</a:t>
             </a:r>
+            <a:endParaRPr lang="en-US"/>
           </a:p>
         </p:txBody>
       </p:sp>
@@ -3567,9 +3572,10 @@
           </a:lstStyle>
           <a:p>
             <a:r>
-              <a:rPr lang="en-US"/>
+              <a:rPr lang="en-US" smtClean="0"/>
               <a:t>Click to edit Master subtitle style</a:t>
             </a:r>
+            <a:endParaRPr lang="en-US"/>
           </a:p>
         </p:txBody>
       </p:sp>
@@ -3675,6 +3681,13 @@
   <p:clrMapOvr>
     <a:masterClrMapping/>
   </p:clrMapOvr>
+  <p:timing>
+    <p:tnLst>
+      <p:par>
+        <p:cTn id="1" dur="indefinite" restart="never" nodeType="tmRoot"/>
+      </p:par>
+    </p:tnLst>
+  </p:timing>
 </p:sldLayout>
 </file>
 
@@ -3718,9 +3731,10 @@
           </a:lstStyle>
           <a:p>
             <a:r>
-              <a:rPr lang="en-US" dirty="0"/>
+              <a:rPr lang="en-US" dirty="0" smtClean="0"/>
               <a:t>Click to edit Master title style</a:t>
             </a:r>
+            <a:endParaRPr lang="en-US" dirty="0"/>
           </a:p>
         </p:txBody>
       </p:sp>
@@ -3772,37 +3786,38 @@
           <a:p>
             <a:pPr lvl="0"/>
             <a:r>
-              <a:rPr lang="en-US" dirty="0"/>
+              <a:rPr lang="en-US" dirty="0" smtClean="0"/>
               <a:t>Click to edit Master text styles</a:t>
             </a:r>
           </a:p>
           <a:p>
             <a:pPr lvl="1"/>
             <a:r>
-              <a:rPr lang="en-US" dirty="0"/>
+              <a:rPr lang="en-US" dirty="0" smtClean="0"/>
               <a:t>Second level</a:t>
             </a:r>
           </a:p>
           <a:p>
             <a:pPr lvl="2"/>
             <a:r>
-              <a:rPr lang="en-US" dirty="0"/>
+              <a:rPr lang="en-US" dirty="0" smtClean="0"/>
               <a:t>Third level</a:t>
             </a:r>
           </a:p>
           <a:p>
             <a:pPr lvl="3"/>
             <a:r>
-              <a:rPr lang="en-US" dirty="0"/>
+              <a:rPr lang="en-US" dirty="0" smtClean="0"/>
               <a:t>Fourth level</a:t>
             </a:r>
           </a:p>
           <a:p>
             <a:pPr lvl="4"/>
             <a:r>
-              <a:rPr lang="en-US" dirty="0"/>
+              <a:rPr lang="en-US" dirty="0" smtClean="0"/>
               <a:t>Fifth level</a:t>
             </a:r>
+            <a:endParaRPr lang="en-US" dirty="0"/>
           </a:p>
         </p:txBody>
       </p:sp>
@@ -4075,6 +4090,13 @@
   <p:clrMapOvr>
     <a:masterClrMapping/>
   </p:clrMapOvr>
+  <p:timing>
+    <p:tnLst>
+      <p:par>
+        <p:cTn id="1" dur="indefinite" restart="never" nodeType="tmRoot"/>
+      </p:par>
+    </p:tnLst>
+  </p:timing>
 </p:sldLayout>
 </file>
 
@@ -4136,9 +4158,10 @@
           </a:lstStyle>
           <a:p>
             <a:r>
-              <a:rPr lang="en-US" dirty="0"/>
+              <a:rPr lang="en-US" dirty="0" smtClean="0"/>
               <a:t>Click to edit Master title style</a:t>
             </a:r>
+            <a:endParaRPr lang="en-US" dirty="0"/>
           </a:p>
         </p:txBody>
       </p:sp>
@@ -4164,35 +4187,35 @@
           <a:p>
             <a:pPr lvl="0"/>
             <a:r>
-              <a:rPr lang="en-US"/>
+              <a:rPr lang="en-US" smtClean="0"/>
               <a:t>Click to edit Master text styles</a:t>
             </a:r>
           </a:p>
           <a:p>
             <a:pPr lvl="1"/>
             <a:r>
-              <a:rPr lang="en-US"/>
+              <a:rPr lang="en-US" smtClean="0"/>
               <a:t>Second level</a:t>
             </a:r>
           </a:p>
           <a:p>
             <a:pPr lvl="2"/>
             <a:r>
-              <a:rPr lang="en-US"/>
+              <a:rPr lang="en-US" smtClean="0"/>
               <a:t>Third level</a:t>
             </a:r>
           </a:p>
           <a:p>
             <a:pPr lvl="3"/>
             <a:r>
-              <a:rPr lang="en-US"/>
+              <a:rPr lang="en-US" smtClean="0"/>
               <a:t>Fourth level</a:t>
             </a:r>
           </a:p>
           <a:p>
             <a:pPr lvl="4"/>
             <a:r>
-              <a:rPr lang="en-US"/>
+              <a:rPr lang="en-US" smtClean="0"/>
               <a:t>Fifth level</a:t>
             </a:r>
             <a:endParaRPr lang="en-US" dirty="0"/>
@@ -4261,7 +4284,7 @@
           </a:lstStyle>
           <a:p>
             <a:r>
-              <a:rPr lang="en-US"/>
+              <a:rPr lang="en-US" smtClean="0"/>
               <a:t>Click to edit Master title style</a:t>
             </a:r>
             <a:endParaRPr lang="en-US" dirty="0"/>
@@ -4381,7 +4404,7 @@
           <a:p>
             <a:pPr lvl="0"/>
             <a:r>
-              <a:rPr lang="en-US"/>
+              <a:rPr lang="en-US" smtClean="0"/>
               <a:t>Click to edit Master text styles</a:t>
             </a:r>
           </a:p>
@@ -4451,7 +4474,7 @@
           </a:lstStyle>
           <a:p>
             <a:r>
-              <a:rPr lang="en-US"/>
+              <a:rPr lang="en-US" smtClean="0"/>
               <a:t>Click to edit Master title style</a:t>
             </a:r>
             <a:endParaRPr lang="en-US" dirty="0"/>
@@ -4526,35 +4549,35 @@
           <a:p>
             <a:pPr lvl="0"/>
             <a:r>
-              <a:rPr lang="en-US"/>
+              <a:rPr lang="en-US" smtClean="0"/>
               <a:t>Click to edit Master text styles</a:t>
             </a:r>
           </a:p>
           <a:p>
             <a:pPr lvl="1"/>
             <a:r>
-              <a:rPr lang="en-US"/>
+              <a:rPr lang="en-US" smtClean="0"/>
               <a:t>Second level</a:t>
             </a:r>
           </a:p>
           <a:p>
             <a:pPr lvl="2"/>
             <a:r>
-              <a:rPr lang="en-US"/>
+              <a:rPr lang="en-US" smtClean="0"/>
               <a:t>Third level</a:t>
             </a:r>
           </a:p>
           <a:p>
             <a:pPr lvl="3"/>
             <a:r>
-              <a:rPr lang="en-US"/>
+              <a:rPr lang="en-US" smtClean="0"/>
               <a:t>Fourth level</a:t>
             </a:r>
           </a:p>
           <a:p>
             <a:pPr lvl="4"/>
             <a:r>
-              <a:rPr lang="en-US"/>
+              <a:rPr lang="en-US" smtClean="0"/>
               <a:t>Fifth level</a:t>
             </a:r>
             <a:endParaRPr lang="en-US" dirty="0"/>
@@ -4629,35 +4652,35 @@
           <a:p>
             <a:pPr lvl="0"/>
             <a:r>
-              <a:rPr lang="en-US"/>
+              <a:rPr lang="en-US" smtClean="0"/>
               <a:t>Click to edit Master text styles</a:t>
             </a:r>
           </a:p>
           <a:p>
             <a:pPr lvl="1"/>
             <a:r>
-              <a:rPr lang="en-US"/>
+              <a:rPr lang="en-US" smtClean="0"/>
               <a:t>Second level</a:t>
             </a:r>
           </a:p>
           <a:p>
             <a:pPr lvl="2"/>
             <a:r>
-              <a:rPr lang="en-US"/>
+              <a:rPr lang="en-US" smtClean="0"/>
               <a:t>Third level</a:t>
             </a:r>
           </a:p>
           <a:p>
             <a:pPr lvl="3"/>
             <a:r>
-              <a:rPr lang="en-US"/>
+              <a:rPr lang="en-US" smtClean="0"/>
               <a:t>Fourth level</a:t>
             </a:r>
           </a:p>
           <a:p>
             <a:pPr lvl="4"/>
             <a:r>
-              <a:rPr lang="en-US"/>
+              <a:rPr lang="en-US" smtClean="0"/>
               <a:t>Fifth level</a:t>
             </a:r>
             <a:endParaRPr lang="en-US" dirty="0"/>
@@ -4728,7 +4751,7 @@
           </a:lstStyle>
           <a:p>
             <a:r>
-              <a:rPr lang="en-US"/>
+              <a:rPr lang="en-US" smtClean="0"/>
               <a:t>Click to edit Master title style</a:t>
             </a:r>
             <a:endParaRPr lang="en-US" dirty="0"/>
@@ -4803,7 +4826,7 @@
           <a:p>
             <a:pPr lvl="0"/>
             <a:r>
-              <a:rPr lang="en-US"/>
+              <a:rPr lang="en-US" smtClean="0"/>
               <a:t>Click to edit Master text styles</a:t>
             </a:r>
           </a:p>
@@ -4874,35 +4897,35 @@
           <a:p>
             <a:pPr lvl="0"/>
             <a:r>
-              <a:rPr lang="en-US"/>
+              <a:rPr lang="en-US" smtClean="0"/>
               <a:t>Click to edit Master text styles</a:t>
             </a:r>
           </a:p>
           <a:p>
             <a:pPr lvl="1"/>
             <a:r>
-              <a:rPr lang="en-US"/>
+              <a:rPr lang="en-US" smtClean="0"/>
               <a:t>Second level</a:t>
             </a:r>
           </a:p>
           <a:p>
             <a:pPr lvl="2"/>
             <a:r>
-              <a:rPr lang="en-US"/>
+              <a:rPr lang="en-US" smtClean="0"/>
               <a:t>Third level</a:t>
             </a:r>
           </a:p>
           <a:p>
             <a:pPr lvl="3"/>
             <a:r>
-              <a:rPr lang="en-US"/>
+              <a:rPr lang="en-US" smtClean="0"/>
               <a:t>Fourth level</a:t>
             </a:r>
           </a:p>
           <a:p>
             <a:pPr lvl="4"/>
             <a:r>
-              <a:rPr lang="en-US"/>
+              <a:rPr lang="en-US" smtClean="0"/>
               <a:t>Fifth level</a:t>
             </a:r>
             <a:endParaRPr lang="en-US" dirty="0"/>
@@ -4977,7 +5000,7 @@
           <a:p>
             <a:pPr lvl="0"/>
             <a:r>
-              <a:rPr lang="en-US"/>
+              <a:rPr lang="en-US" smtClean="0"/>
               <a:t>Click to edit Master text styles</a:t>
             </a:r>
           </a:p>
@@ -5048,35 +5071,35 @@
           <a:p>
             <a:pPr lvl="0"/>
             <a:r>
-              <a:rPr lang="en-US"/>
+              <a:rPr lang="en-US" smtClean="0"/>
               <a:t>Click to edit Master text styles</a:t>
             </a:r>
           </a:p>
           <a:p>
             <a:pPr lvl="1"/>
             <a:r>
-              <a:rPr lang="en-US"/>
+              <a:rPr lang="en-US" smtClean="0"/>
               <a:t>Second level</a:t>
             </a:r>
           </a:p>
           <a:p>
             <a:pPr lvl="2"/>
             <a:r>
-              <a:rPr lang="en-US"/>
+              <a:rPr lang="en-US" smtClean="0"/>
               <a:t>Third level</a:t>
             </a:r>
           </a:p>
           <a:p>
             <a:pPr lvl="3"/>
             <a:r>
-              <a:rPr lang="en-US"/>
+              <a:rPr lang="en-US" smtClean="0"/>
               <a:t>Fourth level</a:t>
             </a:r>
           </a:p>
           <a:p>
             <a:pPr lvl="4"/>
             <a:r>
-              <a:rPr lang="en-US"/>
+              <a:rPr lang="en-US" smtClean="0"/>
               <a:t>Fifth level</a:t>
             </a:r>
             <a:endParaRPr lang="en-US" dirty="0"/>
@@ -5147,7 +5170,7 @@
           </a:lstStyle>
           <a:p>
             <a:r>
-              <a:rPr lang="en-US"/>
+              <a:rPr lang="en-US" smtClean="0"/>
               <a:t>Click to edit Master title style</a:t>
             </a:r>
             <a:endParaRPr lang="en-US" dirty="0"/>
@@ -5248,7 +5271,7 @@
           </a:lstStyle>
           <a:p>
             <a:r>
-              <a:rPr lang="en-US"/>
+              <a:rPr lang="en-US" smtClean="0"/>
               <a:t>Click to edit Master title style</a:t>
             </a:r>
             <a:endParaRPr lang="en-US" dirty="0"/>
@@ -5323,35 +5346,35 @@
           <a:p>
             <a:pPr lvl="0"/>
             <a:r>
-              <a:rPr lang="en-US"/>
+              <a:rPr lang="en-US" smtClean="0"/>
               <a:t>Click to edit Master text styles</a:t>
             </a:r>
           </a:p>
           <a:p>
             <a:pPr lvl="1"/>
             <a:r>
-              <a:rPr lang="en-US"/>
+              <a:rPr lang="en-US" smtClean="0"/>
               <a:t>Second level</a:t>
             </a:r>
           </a:p>
           <a:p>
             <a:pPr lvl="2"/>
             <a:r>
-              <a:rPr lang="en-US"/>
+              <a:rPr lang="en-US" smtClean="0"/>
               <a:t>Third level</a:t>
             </a:r>
           </a:p>
           <a:p>
             <a:pPr lvl="3"/>
             <a:r>
-              <a:rPr lang="en-US"/>
+              <a:rPr lang="en-US" smtClean="0"/>
               <a:t>Fourth level</a:t>
             </a:r>
           </a:p>
           <a:p>
             <a:pPr lvl="4"/>
             <a:r>
-              <a:rPr lang="en-US"/>
+              <a:rPr lang="en-US" smtClean="0"/>
               <a:t>Fifth level</a:t>
             </a:r>
             <a:endParaRPr lang="en-US" dirty="0"/>
@@ -5423,7 +5446,7 @@
           <a:p>
             <a:pPr lvl="0"/>
             <a:r>
-              <a:rPr lang="en-US"/>
+              <a:rPr lang="en-US" smtClean="0"/>
               <a:t>Click to edit Master text styles</a:t>
             </a:r>
           </a:p>
@@ -5493,7 +5516,7 @@
           </a:lstStyle>
           <a:p>
             <a:r>
-              <a:rPr lang="en-US"/>
+              <a:rPr lang="en-US" smtClean="0"/>
               <a:t>Click to edit Master title style</a:t>
             </a:r>
             <a:endParaRPr lang="en-US" dirty="0"/>
@@ -5558,9 +5581,10 @@
           </a:lstStyle>
           <a:p>
             <a:r>
-              <a:rPr lang="en-US"/>
+              <a:rPr lang="en-US" smtClean="0"/>
               <a:t>Click icon to add picture</a:t>
             </a:r>
+            <a:endParaRPr lang="en-US"/>
           </a:p>
         </p:txBody>
       </p:sp>
@@ -5629,7 +5653,7 @@
           <a:p>
             <a:pPr lvl="0"/>
             <a:r>
-              <a:rPr lang="en-US"/>
+              <a:rPr lang="en-US" smtClean="0"/>
               <a:t>Click to edit Master text styles</a:t>
             </a:r>
           </a:p>
@@ -5700,35 +5724,35 @@
           <a:p>
             <a:pPr lvl="0"/>
             <a:r>
-              <a:rPr lang="en-US"/>
+              <a:rPr lang="en-US" smtClean="0"/>
               <a:t>Click to edit Master text styles</a:t>
             </a:r>
           </a:p>
           <a:p>
             <a:pPr lvl="1"/>
             <a:r>
-              <a:rPr lang="en-US"/>
+              <a:rPr lang="en-US" smtClean="0"/>
               <a:t>Second level</a:t>
             </a:r>
           </a:p>
           <a:p>
             <a:pPr lvl="2"/>
             <a:r>
-              <a:rPr lang="en-US"/>
+              <a:rPr lang="en-US" smtClean="0"/>
               <a:t>Third level</a:t>
             </a:r>
           </a:p>
           <a:p>
             <a:pPr lvl="3"/>
             <a:r>
-              <a:rPr lang="en-US"/>
+              <a:rPr lang="en-US" smtClean="0"/>
               <a:t>Fourth level</a:t>
             </a:r>
           </a:p>
           <a:p>
             <a:pPr lvl="4"/>
             <a:r>
-              <a:rPr lang="en-US"/>
+              <a:rPr lang="en-US" smtClean="0"/>
               <a:t>Fifth level</a:t>
             </a:r>
             <a:endParaRPr lang="en-US" dirty="0"/>
@@ -5754,6 +5778,13 @@
     <p:sldLayoutId id="2147483656" r:id="rId8"/>
     <p:sldLayoutId id="2147483657" r:id="rId9"/>
   </p:sldLayoutIdLst>
+  <p:timing>
+    <p:tnLst>
+      <p:par>
+        <p:cTn id="1" dur="indefinite" restart="never" nodeType="tmRoot"/>
+      </p:par>
+    </p:tnLst>
+  </p:timing>
   <p:txStyles>
     <p:titleStyle>
       <a:lvl1pPr algn="ctr" defTabSz="457200" rtl="0" eaLnBrk="1" latinLnBrk="0" hangingPunct="1">
@@ -6126,7 +6157,7 @@
           <a:p>
             <a:pPr lvl="0"/>
             <a:r>
-              <a:rPr lang="en-US" dirty="0"/>
+              <a:rPr lang="en-US" dirty="0" smtClean="0"/>
               <a:t>Click to edit Master title style</a:t>
             </a:r>
           </a:p>
@@ -6168,35 +6199,35 @@
           <a:p>
             <a:pPr lvl="0"/>
             <a:r>
-              <a:rPr lang="en-US" dirty="0"/>
+              <a:rPr lang="en-US" dirty="0" smtClean="0"/>
               <a:t>Click to edit Master text styles</a:t>
             </a:r>
           </a:p>
           <a:p>
             <a:pPr lvl="1"/>
             <a:r>
-              <a:rPr lang="en-US" dirty="0"/>
+              <a:rPr lang="en-US" dirty="0" smtClean="0"/>
               <a:t>Second level</a:t>
             </a:r>
           </a:p>
           <a:p>
             <a:pPr lvl="2"/>
             <a:r>
-              <a:rPr lang="en-US" dirty="0"/>
+              <a:rPr lang="en-US" dirty="0" smtClean="0"/>
               <a:t>Third level</a:t>
             </a:r>
           </a:p>
           <a:p>
             <a:pPr lvl="3"/>
             <a:r>
-              <a:rPr lang="en-US" dirty="0"/>
+              <a:rPr lang="en-US" dirty="0" smtClean="0"/>
               <a:t>Fourth level</a:t>
             </a:r>
           </a:p>
           <a:p>
             <a:pPr lvl="4"/>
             <a:r>
-              <a:rPr lang="en-US" dirty="0"/>
+              <a:rPr lang="en-US" dirty="0" smtClean="0"/>
               <a:t>Fifth level</a:t>
             </a:r>
           </a:p>
@@ -6858,11 +6889,14 @@
           <a:lstStyle/>
           <a:p>
             <a:r>
-              <a:rPr lang="en-US" sz="18000" dirty="0">
+              <a:rPr lang="en-US" sz="18000" dirty="0" smtClean="0">
                 <a:latin typeface="Rockwell Extra Bold" panose="02060903040505020403" pitchFamily="18" charset="0"/>
               </a:rPr>
               <a:t>NLP</a:t>
             </a:r>
+            <a:endParaRPr lang="en-US" sz="18000" dirty="0">
+              <a:latin typeface="Rockwell Extra Bold" panose="02060903040505020403" pitchFamily="18" charset="0"/>
+            </a:endParaRPr>
           </a:p>
         </p:txBody>
       </p:sp>
@@ -6876,6 +6910,13 @@
   <p:clrMapOvr>
     <a:masterClrMapping/>
   </p:clrMapOvr>
+  <p:timing>
+    <p:tnLst>
+      <p:par>
+        <p:cTn id="1" dur="indefinite" restart="never" nodeType="tmRoot"/>
+      </p:par>
+    </p:tnLst>
+  </p:timing>
 </p:sld>
 </file>
 
@@ -6913,7 +6954,7 @@
           <a:p>
             <a:pPr eaLnBrk="1" hangingPunct="1"/>
             <a:r>
-              <a:rPr lang="en-US" altLang="en-US" dirty="0"/>
+              <a:rPr lang="en-US" altLang="en-US" dirty="0" smtClean="0"/>
               <a:t>NLP</a:t>
             </a:r>
           </a:p>
@@ -6943,44 +6984,44 @@
           <a:p>
             <a:pPr eaLnBrk="1" hangingPunct="1"/>
             <a:r>
-              <a:rPr lang="en-US" altLang="en-US" sz="2400" dirty="0"/>
+              <a:rPr lang="en-US" altLang="en-US" sz="2400" dirty="0" smtClean="0"/>
               <a:t>Textbook: </a:t>
             </a:r>
-            <a:endParaRPr lang="en-US" altLang="en-US" dirty="0"/>
+            <a:endParaRPr lang="en-US" altLang="en-US" dirty="0" smtClean="0"/>
           </a:p>
           <a:p>
             <a:pPr lvl="1"/>
             <a:r>
-              <a:rPr lang="en-US" altLang="en-US" dirty="0"/>
+              <a:rPr lang="en-US" altLang="en-US" dirty="0" smtClean="0"/>
               <a:t>Speech and Language Processing</a:t>
             </a:r>
             <a:br>
-              <a:rPr lang="en-US" altLang="en-US" dirty="0"/>
+              <a:rPr lang="en-US" altLang="en-US" dirty="0" smtClean="0"/>
             </a:br>
             <a:r>
-              <a:rPr lang="en-US" altLang="en-US" dirty="0"/>
+              <a:rPr lang="en-US" altLang="en-US" dirty="0" smtClean="0"/>
               <a:t>by </a:t>
             </a:r>
             <a:r>
-              <a:rPr lang="en-US" altLang="en-US" dirty="0" err="1"/>
+              <a:rPr lang="en-US" altLang="en-US" dirty="0" err="1" smtClean="0"/>
               <a:t>Jurafsky</a:t>
             </a:r>
             <a:r>
-              <a:rPr lang="en-US" altLang="en-US" dirty="0"/>
+              <a:rPr lang="en-US" altLang="en-US" dirty="0" smtClean="0"/>
               <a:t> and Martin</a:t>
             </a:r>
           </a:p>
           <a:p>
             <a:pPr lvl="1"/>
             <a:r>
-              <a:rPr lang="en-US" altLang="en-US" dirty="0"/>
+              <a:rPr lang="en-US" altLang="en-US" dirty="0" smtClean="0"/>
               <a:t>Second edition, 2009</a:t>
             </a:r>
           </a:p>
           <a:p>
             <a:pPr lvl="1"/>
             <a:r>
-              <a:rPr lang="en-US" altLang="en-US" dirty="0"/>
+              <a:rPr lang="en-US" altLang="en-US" dirty="0" smtClean="0"/>
               <a:t>Third edition, 2018</a:t>
             </a:r>
           </a:p>
@@ -6990,62 +7031,69 @@
               <a:rPr lang="en-US" altLang="en-US" dirty="0">
                 <a:hlinkClick r:id="rId3"/>
               </a:rPr>
-              <a:t>http://web.stanford.edu/~jurafsky/slp3/</a:t>
-            </a:r>
-            <a:r>
-              <a:rPr lang="en-US" altLang="en-US" dirty="0"/>
+              <a:t>http://web.stanford.edu/~jurafsky/slp3</a:t>
+            </a:r>
+            <a:r>
+              <a:rPr lang="en-US" altLang="en-US" dirty="0" smtClean="0">
+                <a:hlinkClick r:id="rId3"/>
+              </a:rPr>
+              <a:t>/</a:t>
+            </a:r>
+            <a:r>
+              <a:rPr lang="en-US" altLang="en-US" dirty="0" smtClean="0"/>
               <a:t> </a:t>
             </a:r>
           </a:p>
           <a:p>
             <a:r>
-              <a:rPr lang="en-US" altLang="en-US" dirty="0"/>
+              <a:rPr lang="en-US" altLang="en-US" dirty="0" smtClean="0"/>
               <a:t>Additional readings:</a:t>
             </a:r>
           </a:p>
           <a:p>
             <a:pPr lvl="1"/>
             <a:r>
-              <a:rPr lang="en-US" altLang="en-US" dirty="0"/>
+              <a:rPr lang="en-US" altLang="en-US" dirty="0" smtClean="0"/>
               <a:t>Natural Language Processing using NLTK (Bird et al.) </a:t>
             </a:r>
           </a:p>
           <a:p>
             <a:pPr lvl="1"/>
             <a:r>
-              <a:rPr lang="en-US" altLang="en-US" dirty="0">
+              <a:rPr lang="en-US" altLang="en-US" dirty="0" smtClean="0">
                 <a:hlinkClick r:id="rId4"/>
               </a:rPr>
               <a:t>http://www.nltk.org</a:t>
             </a:r>
             <a:r>
-              <a:rPr lang="en-US" altLang="en-US" dirty="0"/>
+              <a:rPr lang="en-US" altLang="en-US" dirty="0" smtClean="0"/>
               <a:t>  </a:t>
             </a:r>
           </a:p>
           <a:p>
             <a:pPr lvl="1"/>
             <a:r>
-              <a:rPr lang="en-US" altLang="en-US" dirty="0"/>
+              <a:rPr lang="en-US" altLang="en-US" dirty="0" smtClean="0"/>
               <a:t>AAN</a:t>
             </a:r>
           </a:p>
           <a:p>
             <a:pPr lvl="1"/>
             <a:r>
-              <a:rPr lang="en-US" altLang="en-US" dirty="0">
+              <a:rPr lang="en-US" altLang="en-US" dirty="0" smtClean="0">
                 <a:hlinkClick r:id="rId5"/>
               </a:rPr>
               <a:t>http://aan.how</a:t>
             </a:r>
             <a:r>
-              <a:rPr lang="en-US" altLang="en-US" dirty="0"/>
+              <a:rPr lang="en-US" altLang="en-US" dirty="0" smtClean="0"/>
               <a:t>	</a:t>
             </a:r>
+            <a:endParaRPr lang="en-US" altLang="en-US" dirty="0" smtClean="0"/>
           </a:p>
           <a:p>
             <a:pPr eaLnBrk="1" hangingPunct="1"/>
-            <a:endParaRPr lang="en-US" altLang="en-US" dirty="0"/>
+            <a:endParaRPr lang="en-US" altLang="en-US" dirty="0" smtClean="0"/>
           </a:p>
         </p:txBody>
       </p:sp>
@@ -7164,6 +7212,13 @@
   <p:clrMapOvr>
     <a:masterClrMapping/>
   </p:clrMapOvr>
+  <p:timing>
+    <p:tnLst>
+      <p:par>
+        <p:cTn id="1" dur="indefinite" restart="never" nodeType="tmRoot"/>
+      </p:par>
+    </p:tnLst>
+  </p:timing>
 </p:sld>
 </file>
 
@@ -7201,7 +7256,7 @@
           <a:p>
             <a:pPr eaLnBrk="1" hangingPunct="1"/>
             <a:r>
-              <a:rPr lang="en-US" altLang="en-US"/>
+              <a:rPr lang="en-US" altLang="en-US" smtClean="0"/>
               <a:t>Course Dates</a:t>
             </a:r>
           </a:p>
@@ -7230,53 +7285,53 @@
           <a:lstStyle/>
           <a:p>
             <a:r>
-              <a:rPr lang="en-US" altLang="en-US" sz="2400" dirty="0"/>
+              <a:rPr lang="en-US" altLang="en-US" sz="2400" dirty="0" smtClean="0"/>
               <a:t>Jan</a:t>
             </a:r>
           </a:p>
           <a:p>
             <a:pPr lvl="1"/>
             <a:r>
-              <a:rPr lang="en-US" altLang="en-US" sz="1800" dirty="0"/>
+              <a:rPr lang="en-US" altLang="en-US" sz="1800" dirty="0" smtClean="0"/>
               <a:t>15 17 22 24 29 31</a:t>
             </a:r>
           </a:p>
           <a:p>
             <a:r>
-              <a:rPr lang="en-US" altLang="en-US" sz="2400" dirty="0"/>
+              <a:rPr lang="en-US" altLang="en-US" sz="2400" dirty="0" smtClean="0"/>
               <a:t>Feb</a:t>
             </a:r>
           </a:p>
           <a:p>
             <a:pPr lvl="1"/>
             <a:r>
-              <a:rPr lang="en-US" altLang="en-US" sz="1800" dirty="0"/>
+              <a:rPr lang="en-US" altLang="en-US" sz="1800" dirty="0" smtClean="0"/>
               <a:t>5 7 12 14 19 21 26 28</a:t>
             </a:r>
           </a:p>
           <a:p>
             <a:r>
-              <a:rPr lang="en-US" altLang="en-US" sz="2400" dirty="0"/>
+              <a:rPr lang="en-US" altLang="en-US" sz="2400" dirty="0" smtClean="0"/>
               <a:t>Mar</a:t>
             </a:r>
           </a:p>
           <a:p>
             <a:pPr lvl="1"/>
             <a:r>
-              <a:rPr lang="en-US" altLang="en-US" sz="1800" dirty="0"/>
+              <a:rPr lang="en-US" altLang="en-US" sz="1800" dirty="0" smtClean="0"/>
               <a:t>5 7 26 28</a:t>
             </a:r>
           </a:p>
           <a:p>
             <a:r>
-              <a:rPr lang="en-US" altLang="en-US" sz="2400" dirty="0"/>
+              <a:rPr lang="en-US" altLang="en-US" sz="2400" dirty="0" smtClean="0"/>
               <a:t>Apr</a:t>
             </a:r>
           </a:p>
           <a:p>
             <a:pPr lvl="1"/>
             <a:r>
-              <a:rPr lang="en-US" altLang="en-US" sz="1800" dirty="0"/>
+              <a:rPr lang="en-US" altLang="en-US" sz="1800" dirty="0" smtClean="0"/>
               <a:t>2 4 9 11 16 18 23 25</a:t>
             </a:r>
           </a:p>
@@ -7486,9 +7541,10 @@
           <a:p>
             <a:pPr lvl="1"/>
             <a:r>
-              <a:rPr lang="en-US" altLang="en-US" sz="1800" dirty="0"/>
+              <a:rPr lang="en-US" altLang="en-US" sz="1800" dirty="0" smtClean="0"/>
               <a:t>TBD</a:t>
             </a:r>
+            <a:endParaRPr lang="en-US" altLang="en-US" sz="1800" dirty="0"/>
           </a:p>
         </p:txBody>
       </p:sp>
@@ -8045,7 +8101,7 @@
           <a:p>
             <a:pPr eaLnBrk="1" hangingPunct="1"/>
             <a:r>
-              <a:rPr lang="en-US" altLang="en-US" sz="3600" dirty="0"/>
+              <a:rPr lang="en-US" altLang="en-US" sz="3600" dirty="0" smtClean="0"/>
               <a:t>Structure of the Course</a:t>
             </a:r>
           </a:p>
@@ -8074,66 +8130,66 @@
           <a:lstStyle/>
           <a:p>
             <a:r>
-              <a:rPr lang="en-US" altLang="en-US" sz="2000" dirty="0"/>
+              <a:rPr lang="en-US" altLang="en-US" sz="2000" dirty="0" smtClean="0"/>
               <a:t>Background:</a:t>
             </a:r>
           </a:p>
           <a:p>
             <a:pPr lvl="1"/>
             <a:r>
-              <a:rPr lang="en-US" altLang="en-US" sz="1500" dirty="0"/>
+              <a:rPr lang="en-US" altLang="en-US" sz="1500" dirty="0" smtClean="0"/>
               <a:t>Linguistic, mathematical, and computational</a:t>
             </a:r>
           </a:p>
           <a:p>
             <a:r>
-              <a:rPr lang="en-US" altLang="en-US" sz="2000" dirty="0"/>
+              <a:rPr lang="en-US" altLang="en-US" sz="2000" dirty="0" smtClean="0"/>
               <a:t>Computational models</a:t>
             </a:r>
           </a:p>
           <a:p>
             <a:pPr lvl="1"/>
             <a:r>
-              <a:rPr lang="en-US" altLang="en-US" sz="1500" dirty="0"/>
+              <a:rPr lang="en-US" altLang="en-US" sz="1500" dirty="0" smtClean="0"/>
               <a:t>morphology, syntax, semantics, discourse, pragmatics</a:t>
             </a:r>
           </a:p>
           <a:p>
             <a:r>
-              <a:rPr lang="en-US" altLang="en-US" sz="2000" dirty="0"/>
+              <a:rPr lang="en-US" altLang="en-US" sz="2000" dirty="0" smtClean="0"/>
               <a:t>Core NLP technology</a:t>
             </a:r>
           </a:p>
           <a:p>
             <a:pPr lvl="1"/>
             <a:r>
-              <a:rPr lang="en-US" altLang="en-US" sz="1500" dirty="0"/>
+              <a:rPr lang="en-US" altLang="en-US" sz="1500" dirty="0" smtClean="0"/>
               <a:t>parsing, part of speech tagging, text generation, semantic analysis</a:t>
             </a:r>
           </a:p>
           <a:p>
             <a:r>
-              <a:rPr lang="en-US" altLang="en-US" sz="2000" dirty="0"/>
+              <a:rPr lang="en-US" altLang="en-US" sz="2000" dirty="0" smtClean="0"/>
               <a:t>Applications</a:t>
             </a:r>
           </a:p>
           <a:p>
             <a:pPr lvl="1"/>
             <a:r>
-              <a:rPr lang="en-US" altLang="en-US" sz="1500" dirty="0"/>
+              <a:rPr lang="en-US" altLang="en-US" sz="1500" dirty="0" smtClean="0"/>
               <a:t>text classification, sentiment analysis, text summarization, question answering, machine translation, information extraction, etc.</a:t>
             </a:r>
           </a:p>
           <a:p>
             <a:r>
-              <a:rPr lang="en-US" altLang="en-US" sz="2000" dirty="0"/>
+              <a:rPr lang="en-US" altLang="en-US" sz="2000" dirty="0" smtClean="0"/>
               <a:t>Neural Networks and Deep Learning</a:t>
             </a:r>
           </a:p>
           <a:p>
             <a:pPr lvl="1"/>
             <a:r>
-              <a:rPr lang="en-US" altLang="en-US" sz="1500" dirty="0"/>
+              <a:rPr lang="en-US" altLang="en-US" sz="1500" dirty="0" smtClean="0"/>
               <a:t>distributed semantics, RNN, LSTM, attention, transformers</a:t>
             </a:r>
           </a:p>
@@ -8621,7 +8677,7 @@
           <a:p>
             <a:pPr eaLnBrk="1" hangingPunct="1"/>
             <a:r>
-              <a:rPr lang="en-US" altLang="en-US" dirty="0"/>
+              <a:rPr lang="en-US" altLang="en-US" dirty="0" smtClean="0"/>
               <a:t>Major Goals of the Class</a:t>
             </a:r>
           </a:p>
@@ -8650,55 +8706,55 @@
           <a:lstStyle/>
           <a:p>
             <a:r>
-              <a:rPr lang="en-US" altLang="en-US" sz="2000" b="1" dirty="0"/>
+              <a:rPr lang="en-US" altLang="en-US" sz="2000" b="1" dirty="0" smtClean="0"/>
               <a:t>Learn </a:t>
             </a:r>
             <a:r>
-              <a:rPr lang="en-US" altLang="en-US" sz="2000" dirty="0"/>
+              <a:rPr lang="en-US" altLang="en-US" sz="2000" dirty="0" smtClean="0"/>
               <a:t>the basic principles and theoretical issues underlying natural language processing </a:t>
             </a:r>
           </a:p>
           <a:p>
             <a:r>
-              <a:rPr lang="en-US" altLang="en-US" sz="2000" b="1" dirty="0"/>
+              <a:rPr lang="en-US" altLang="en-US" sz="2000" b="1" dirty="0" smtClean="0"/>
               <a:t>Understand </a:t>
             </a:r>
             <a:r>
-              <a:rPr lang="en-US" altLang="en-US" sz="2000" dirty="0"/>
+              <a:rPr lang="en-US" altLang="en-US" sz="2000" dirty="0" smtClean="0"/>
               <a:t>why language processing is hard</a:t>
             </a:r>
           </a:p>
           <a:p>
             <a:r>
-              <a:rPr lang="en-US" altLang="en-US" sz="2000" b="1" dirty="0"/>
+              <a:rPr lang="en-US" altLang="en-US" sz="2000" b="1" dirty="0" smtClean="0"/>
               <a:t>Learn techniques </a:t>
             </a:r>
             <a:r>
-              <a:rPr lang="en-US" altLang="en-US" sz="2000" dirty="0"/>
+              <a:rPr lang="en-US" altLang="en-US" sz="2000" dirty="0" smtClean="0"/>
               <a:t>and tools used to develop practical, robust systems that can understand text and communicate with users in one or more languages </a:t>
             </a:r>
           </a:p>
           <a:p>
             <a:r>
-              <a:rPr lang="en-US" altLang="en-US" sz="2000" b="1" dirty="0"/>
+              <a:rPr lang="en-US" altLang="en-US" sz="2000" b="1" dirty="0" smtClean="0"/>
               <a:t>Understand the limitations </a:t>
             </a:r>
             <a:r>
-              <a:rPr lang="en-US" altLang="en-US" sz="2000" dirty="0"/>
+              <a:rPr lang="en-US" altLang="en-US" sz="2000" dirty="0" smtClean="0"/>
               <a:t>of these techniques and tools</a:t>
             </a:r>
           </a:p>
           <a:p>
             <a:r>
-              <a:rPr lang="en-US" altLang="en-US" sz="2000" dirty="0"/>
+              <a:rPr lang="en-US" altLang="en-US" sz="2000" dirty="0" smtClean="0"/>
               <a:t>Gain insight into some </a:t>
             </a:r>
             <a:r>
-              <a:rPr lang="en-US" altLang="en-US" sz="2000" b="1" dirty="0"/>
+              <a:rPr lang="en-US" altLang="en-US" sz="2000" b="1" dirty="0" smtClean="0"/>
               <a:t>open research problems </a:t>
             </a:r>
             <a:r>
-              <a:rPr lang="en-US" altLang="en-US" sz="2000" dirty="0"/>
+              <a:rPr lang="en-US" altLang="en-US" sz="2000" dirty="0" smtClean="0"/>
               <a:t>in natural language processing</a:t>
             </a:r>
           </a:p>
@@ -9029,7 +9085,7 @@
           <a:p>
             <a:pPr eaLnBrk="1" hangingPunct="1"/>
             <a:r>
-              <a:rPr lang="en-US" altLang="en-US"/>
+              <a:rPr lang="en-US" altLang="en-US" smtClean="0"/>
               <a:t>Syllabus</a:t>
             </a:r>
           </a:p>
@@ -9058,48 +9114,48 @@
           <a:lstStyle/>
           <a:p>
             <a:r>
-              <a:rPr lang="en-US" altLang="en-US" sz="2800" dirty="0"/>
+              <a:rPr lang="en-US" altLang="en-US" sz="2800" dirty="0" smtClean="0"/>
               <a:t>Book sections</a:t>
             </a:r>
           </a:p>
           <a:p>
             <a:pPr lvl="1"/>
             <a:r>
-              <a:rPr lang="en-US" altLang="en-US" sz="2400" dirty="0"/>
+              <a:rPr lang="en-US" altLang="en-US" sz="2400" dirty="0" smtClean="0"/>
               <a:t>Introduction (chapter 1)</a:t>
             </a:r>
           </a:p>
           <a:p>
             <a:pPr lvl="1"/>
             <a:r>
-              <a:rPr lang="en-US" altLang="en-US" sz="2400" dirty="0"/>
+              <a:rPr lang="en-US" altLang="en-US" sz="2400" dirty="0" smtClean="0"/>
               <a:t>Words (chapters 2-7)</a:t>
             </a:r>
           </a:p>
           <a:p>
             <a:pPr lvl="1"/>
             <a:r>
-              <a:rPr lang="en-US" altLang="en-US" sz="2400" dirty="0"/>
+              <a:rPr lang="en-US" altLang="en-US" sz="2400" dirty="0" smtClean="0"/>
               <a:t>Sequences (chapters 8-13, A, B)</a:t>
             </a:r>
           </a:p>
           <a:p>
             <a:pPr lvl="1"/>
             <a:r>
-              <a:rPr lang="en-US" altLang="en-US" sz="2400" dirty="0"/>
+              <a:rPr lang="en-US" altLang="en-US" sz="2400" dirty="0" smtClean="0"/>
               <a:t>Semantics and Pragmatics (chapters 14-19, C)</a:t>
             </a:r>
           </a:p>
           <a:p>
             <a:pPr lvl="1"/>
             <a:r>
-              <a:rPr lang="en-US" altLang="en-US" sz="2400" dirty="0"/>
+              <a:rPr lang="en-US" altLang="en-US" sz="2400" dirty="0" smtClean="0"/>
               <a:t>Applications (chapters 23-25)</a:t>
             </a:r>
           </a:p>
           <a:p>
             <a:r>
-              <a:rPr lang="en-US" altLang="en-US" sz="2900" dirty="0"/>
+              <a:rPr lang="en-US" altLang="en-US" sz="2900" dirty="0" smtClean="0"/>
               <a:t>Additional online readings (TBA)</a:t>
             </a:r>
           </a:p>
@@ -9533,7 +9589,7 @@
           <a:p>
             <a:pPr eaLnBrk="1" hangingPunct="1"/>
             <a:r>
-              <a:rPr lang="en-US" altLang="en-US" dirty="0"/>
+              <a:rPr lang="en-US" altLang="en-US" dirty="0" smtClean="0"/>
               <a:t>Draft Syllabus</a:t>
             </a:r>
           </a:p>
@@ -9565,7 +9621,7 @@
                 <a:gridCol w="3161763">
                   <a:extLst>
                     <a:ext uri="{9D8B030D-6E8A-4147-A177-3AD203B41FA5}">
-                      <a16:colId xmlns:a16="http://schemas.microsoft.com/office/drawing/2014/main" val="20000"/>
+                      <a16:colId xmlns:a16="http://schemas.microsoft.com/office/drawing/2014/main" xmlns="" val="20000"/>
                     </a:ext>
                   </a:extLst>
                 </a:gridCol>
@@ -9594,64 +9650,81 @@
                         <a:defRPr/>
                       </a:pPr>
                       <a:r>
-                        <a:rPr lang="en-US" sz="1200" dirty="0"/>
+                        <a:rPr lang="en-US" sz="1200" dirty="0" smtClean="0"/>
                         <a:t>Introduction </a:t>
                       </a:r>
                       <a:br>
-                        <a:rPr lang="en-US" sz="1200" dirty="0"/>
+                        <a:rPr lang="en-US" sz="1200" dirty="0" smtClean="0"/>
                       </a:br>
                       <a:r>
-                        <a:rPr lang="en-US" sz="1200" dirty="0"/>
+                        <a:rPr lang="en-US" sz="1200" dirty="0" smtClean="0"/>
                         <a:t>Language</a:t>
                       </a:r>
                       <a:r>
-                        <a:rPr lang="en-US" sz="1200" baseline="0" dirty="0"/>
+                        <a:rPr lang="en-US" sz="1200" baseline="0" dirty="0" smtClean="0"/>
                         <a:t> Modeling</a:t>
                       </a:r>
+                      <a:r>
+                        <a:rPr lang="en-US" sz="1200" dirty="0" smtClean="0"/>
+                        <a:t/>
+                      </a:r>
                       <a:br>
-                        <a:rPr lang="en-US" sz="1200" dirty="0"/>
+                        <a:rPr lang="en-US" sz="1200" dirty="0" smtClean="0"/>
                       </a:br>
                       <a:r>
-                        <a:rPr lang="en-US" sz="1200" dirty="0"/>
+                        <a:rPr lang="en-US" sz="1200" dirty="0" smtClean="0"/>
                         <a:t>Part-of-Speech Tagging</a:t>
                       </a:r>
                       <a:br>
-                        <a:rPr lang="en-US" sz="1200" dirty="0"/>
+                        <a:rPr lang="en-US" sz="1200" dirty="0" smtClean="0"/>
                       </a:br>
                       <a:r>
-                        <a:rPr lang="en-US" sz="1200" dirty="0"/>
+                        <a:rPr lang="en-US" sz="1200" dirty="0" smtClean="0"/>
                         <a:t>Hidden Markov Models</a:t>
                       </a:r>
                       <a:br>
-                        <a:rPr lang="en-US" sz="1200" dirty="0"/>
+                        <a:rPr lang="en-US" sz="1200" dirty="0" smtClean="0"/>
                       </a:br>
                       <a:r>
-                        <a:rPr lang="en-US" sz="1200" dirty="0"/>
+                        <a:rPr lang="en-US" sz="1200" dirty="0" smtClean="0"/>
                         <a:t>Formal Grammars of English</a:t>
                       </a:r>
                       <a:br>
-                        <a:rPr lang="en-US" sz="1200" dirty="0"/>
+                        <a:rPr lang="en-US" sz="1200" dirty="0" smtClean="0"/>
                       </a:br>
                       <a:r>
-                        <a:rPr lang="en-US" sz="1200" dirty="0"/>
+                        <a:rPr lang="en-US" sz="1200" dirty="0" smtClean="0"/>
                         <a:t>Syntactic Parsing</a:t>
                       </a:r>
                       <a:br>
-                        <a:rPr lang="en-US" sz="1200" dirty="0"/>
+                        <a:rPr lang="en-US" sz="1200" dirty="0" smtClean="0"/>
                       </a:br>
                       <a:r>
-                        <a:rPr lang="en-US" sz="1200" dirty="0"/>
+                        <a:rPr lang="en-US" sz="1200" dirty="0" smtClean="0"/>
                         <a:t>Statistical Parsing</a:t>
                       </a:r>
                       <a:br>
-                        <a:rPr lang="en-US" sz="1200" dirty="0"/>
+                        <a:rPr lang="en-US" sz="1200" dirty="0" smtClean="0"/>
                       </a:br>
                       <a:r>
-                        <a:rPr lang="en-US" sz="1200" dirty="0"/>
+                        <a:rPr lang="en-US" sz="1200" dirty="0" smtClean="0"/>
                         <a:t>Features and Unification</a:t>
                       </a:r>
+                      <a:r>
+                        <a:rPr kumimoji="0" lang="en-US" sz="1200" b="0" i="0" u="none" strike="noStrike" cap="none" normalizeH="0" baseline="0" dirty="0" smtClean="0">
+                          <a:ln>
+                            <a:noFill/>
+                          </a:ln>
+                          <a:solidFill>
+                            <a:schemeClr val="tx1"/>
+                          </a:solidFill>
+                          <a:effectLst/>
+                          <a:latin typeface="Times New Roman" pitchFamily="18" charset="0"/>
+                        </a:rPr>
+                        <a:t/>
+                      </a:r>
                       <a:br>
-                        <a:rPr kumimoji="0" lang="en-US" sz="1200" b="0" i="0" u="none" strike="noStrike" cap="none" normalizeH="0" baseline="0" dirty="0">
+                        <a:rPr kumimoji="0" lang="en-US" sz="1200" b="0" i="0" u="none" strike="noStrike" cap="none" normalizeH="0" baseline="0" dirty="0" smtClean="0">
                           <a:ln>
                             <a:noFill/>
                           </a:ln>
@@ -9663,7 +9736,7 @@
                         </a:rPr>
                       </a:br>
                       <a:r>
-                        <a:rPr kumimoji="0" lang="en-US" sz="1200" b="0" i="0" u="none" strike="noStrike" cap="none" normalizeH="0" baseline="0" dirty="0">
+                        <a:rPr kumimoji="0" lang="en-US" sz="1200" b="0" i="0" u="none" strike="noStrike" cap="none" normalizeH="0" baseline="0" dirty="0" smtClean="0">
                           <a:ln>
                             <a:noFill/>
                           </a:ln>
@@ -9675,106 +9748,110 @@
                         </a:rPr>
                         <a:t>Dependency Parsing</a:t>
                       </a:r>
+                      <a:r>
+                        <a:rPr lang="en-US" sz="1200" dirty="0" smtClean="0"/>
+                        <a:t/>
+                      </a:r>
                       <a:br>
-                        <a:rPr lang="en-US" sz="1200" dirty="0"/>
+                        <a:rPr lang="en-US" sz="1200" dirty="0" smtClean="0"/>
                       </a:br>
                       <a:r>
-                        <a:rPr lang="en-US" sz="1200" dirty="0"/>
+                        <a:rPr lang="en-US" sz="1200" dirty="0" smtClean="0"/>
                         <a:t>The Representation of Meaning</a:t>
                       </a:r>
                       <a:br>
-                        <a:rPr lang="en-US" sz="1200" dirty="0"/>
+                        <a:rPr lang="en-US" sz="1200" dirty="0" smtClean="0"/>
                       </a:br>
                       <a:r>
-                        <a:rPr lang="en-US" sz="1200" dirty="0"/>
+                        <a:rPr lang="en-US" sz="1200" dirty="0" smtClean="0"/>
                         <a:t>Computational Semantics</a:t>
                       </a:r>
                       <a:br>
-                        <a:rPr lang="en-US" sz="1200" dirty="0"/>
+                        <a:rPr lang="en-US" sz="1200" dirty="0" smtClean="0"/>
                       </a:br>
                       <a:r>
-                        <a:rPr lang="en-US" sz="1200" dirty="0"/>
+                        <a:rPr lang="en-US" sz="1200" dirty="0" smtClean="0"/>
                         <a:t>Lexical Semantics</a:t>
                       </a:r>
                       <a:br>
-                        <a:rPr lang="en-US" sz="1200" dirty="0"/>
+                        <a:rPr lang="en-US" sz="1200" dirty="0" smtClean="0"/>
                       </a:br>
                       <a:r>
-                        <a:rPr lang="en-US" sz="1200" dirty="0"/>
+                        <a:rPr lang="en-US" sz="1200" dirty="0" smtClean="0"/>
                         <a:t>Computational Lexical Semantics</a:t>
                       </a:r>
                       <a:br>
-                        <a:rPr lang="en-US" sz="1200" dirty="0"/>
+                        <a:rPr lang="en-US" sz="1200" dirty="0" smtClean="0"/>
                       </a:br>
                       <a:r>
-                        <a:rPr lang="en-US" sz="1200" dirty="0"/>
+                        <a:rPr lang="en-US" sz="1200" dirty="0" smtClean="0"/>
                         <a:t>Computational Discourse</a:t>
                       </a:r>
                       <a:br>
-                        <a:rPr lang="en-US" sz="1200" dirty="0"/>
+                        <a:rPr lang="en-US" sz="1200" dirty="0" smtClean="0"/>
                       </a:br>
                       <a:r>
-                        <a:rPr lang="en-US" sz="1200" dirty="0"/>
+                        <a:rPr lang="en-US" sz="1200" dirty="0" smtClean="0"/>
                         <a:t>Information Extraction</a:t>
                       </a:r>
                       <a:br>
-                        <a:rPr lang="en-US" sz="1200" dirty="0"/>
+                        <a:rPr lang="en-US" sz="1200" dirty="0" smtClean="0"/>
                       </a:br>
                       <a:r>
-                        <a:rPr lang="en-US" sz="1200" i="1" dirty="0"/>
+                        <a:rPr lang="en-US" sz="1200" i="1" dirty="0" smtClean="0"/>
                         <a:t>Question Answering and Summarization</a:t>
                       </a:r>
                       <a:br>
-                        <a:rPr lang="en-US" sz="1200" i="1" dirty="0"/>
+                        <a:rPr lang="en-US" sz="1200" i="1" dirty="0" smtClean="0"/>
                       </a:br>
                       <a:r>
-                        <a:rPr lang="en-US" sz="1200" i="1" dirty="0"/>
+                        <a:rPr lang="en-US" sz="1200" i="1" dirty="0" smtClean="0"/>
                         <a:t>Dialogue and Conversational Agents</a:t>
                       </a:r>
                       <a:br>
-                        <a:rPr lang="en-US" sz="1200" i="1" dirty="0"/>
+                        <a:rPr lang="en-US" sz="1200" i="1" dirty="0" smtClean="0"/>
                       </a:br>
                       <a:r>
-                        <a:rPr lang="en-US" sz="1200" dirty="0"/>
+                        <a:rPr lang="en-US" sz="1200" dirty="0" smtClean="0"/>
                         <a:t>Machine Translation</a:t>
                       </a:r>
                       <a:br>
-                        <a:rPr lang="en-US" sz="1200" dirty="0"/>
+                        <a:rPr lang="en-US" sz="1200" dirty="0" smtClean="0"/>
                       </a:br>
                       <a:r>
-                        <a:rPr lang="en-US" sz="1200" dirty="0"/>
+                        <a:rPr lang="en-US" sz="1200" dirty="0" smtClean="0"/>
                         <a:t>Sentiment Analysis</a:t>
                       </a:r>
                       <a:br>
-                        <a:rPr lang="en-US" sz="1200" dirty="0"/>
+                        <a:rPr lang="en-US" sz="1200" dirty="0" smtClean="0"/>
                       </a:br>
                       <a:r>
-                        <a:rPr lang="en-US" sz="1200" dirty="0"/>
+                        <a:rPr lang="en-US" sz="1200" dirty="0" smtClean="0"/>
                         <a:t>Vector</a:t>
                       </a:r>
                       <a:r>
-                        <a:rPr lang="en-US" sz="1200" baseline="0" dirty="0"/>
+                        <a:rPr lang="en-US" sz="1200" baseline="0" dirty="0" smtClean="0"/>
                         <a:t> Semantics</a:t>
                       </a:r>
                       <a:br>
-                        <a:rPr lang="en-US" sz="1200" baseline="0" dirty="0"/>
+                        <a:rPr lang="en-US" sz="1200" baseline="0" dirty="0" smtClean="0"/>
                       </a:br>
                       <a:r>
-                        <a:rPr lang="en-US" sz="1200" baseline="0" dirty="0"/>
+                        <a:rPr lang="en-US" sz="1200" baseline="0" dirty="0" smtClean="0"/>
                         <a:t>Dimensionality Reduction</a:t>
                       </a:r>
                       <a:br>
-                        <a:rPr lang="en-US" sz="1200" baseline="0" dirty="0"/>
+                        <a:rPr lang="en-US" sz="1200" baseline="0" dirty="0" smtClean="0"/>
                       </a:br>
                       <a:r>
-                        <a:rPr lang="en-US" sz="1200" baseline="0" dirty="0"/>
+                        <a:rPr lang="en-US" sz="1200" baseline="0" dirty="0" smtClean="0"/>
                         <a:t>Word Embeddings</a:t>
                       </a:r>
                       <a:br>
-                        <a:rPr lang="en-US" sz="1200" baseline="0" dirty="0"/>
+                        <a:rPr lang="en-US" sz="1200" baseline="0" dirty="0" smtClean="0"/>
                       </a:br>
                       <a:r>
-                        <a:rPr lang="en-US" sz="1200" baseline="0" dirty="0"/>
+                        <a:rPr lang="en-US" sz="1200" baseline="0" dirty="0" smtClean="0"/>
                         <a:t>Neural Networks</a:t>
                       </a:r>
                     </a:p>
@@ -9797,7 +9874,7 @@
                         <a:defRPr/>
                       </a:pPr>
                       <a:r>
-                        <a:rPr lang="en-US" sz="1200" baseline="0" dirty="0"/>
+                        <a:rPr lang="en-US" sz="1200" baseline="0" dirty="0" smtClean="0"/>
                         <a:t>Recent Developments</a:t>
                       </a:r>
                     </a:p>
@@ -9850,7 +9927,7 @@
                 </a:tc>
                 <a:extLst>
                   <a:ext uri="{0D108BD9-81ED-4DB2-BD59-A6C34878D82A}">
-                    <a16:rowId xmlns:a16="http://schemas.microsoft.com/office/drawing/2014/main" val="10000"/>
+                    <a16:rowId xmlns:a16="http://schemas.microsoft.com/office/drawing/2014/main" xmlns="" val="10000"/>
                   </a:ext>
                 </a:extLst>
               </a:tr>
@@ -9868,6 +9945,13 @@
   <p:clrMapOvr>
     <a:masterClrMapping/>
   </p:clrMapOvr>
+  <p:timing>
+    <p:tnLst>
+      <p:par>
+        <p:cTn id="1" dur="indefinite" restart="never" nodeType="tmRoot"/>
+      </p:par>
+    </p:tnLst>
+  </p:timing>
 </p:sld>
 </file>
 
@@ -9905,7 +9989,7 @@
           <a:p>
             <a:pPr eaLnBrk="1" hangingPunct="1"/>
             <a:r>
-              <a:rPr lang="en-US" altLang="en-US" dirty="0"/>
+              <a:rPr lang="en-US" altLang="en-US" dirty="0" smtClean="0"/>
               <a:t>Relevant Background</a:t>
             </a:r>
           </a:p>
@@ -9935,63 +10019,63 @@
           <a:p>
             <a:pPr eaLnBrk="1" hangingPunct="1"/>
             <a:r>
-              <a:rPr lang="en-US" altLang="en-US" sz="2400" dirty="0"/>
+              <a:rPr lang="en-US" altLang="en-US" sz="2400" dirty="0" smtClean="0"/>
               <a:t>Linear algebra</a:t>
             </a:r>
           </a:p>
           <a:p>
             <a:pPr lvl="1"/>
             <a:r>
-              <a:rPr lang="en-US" altLang="en-US" sz="1800" dirty="0"/>
+              <a:rPr lang="en-US" altLang="en-US" sz="1800" dirty="0" smtClean="0"/>
               <a:t>vectors and matrices</a:t>
             </a:r>
           </a:p>
           <a:p>
             <a:pPr eaLnBrk="1" hangingPunct="1"/>
             <a:r>
-              <a:rPr lang="en-US" altLang="en-US" sz="2400" dirty="0"/>
+              <a:rPr lang="en-US" altLang="en-US" sz="2400" dirty="0" smtClean="0"/>
               <a:t>Probabilities</a:t>
             </a:r>
           </a:p>
           <a:p>
             <a:pPr lvl="1"/>
             <a:r>
-              <a:rPr lang="en-US" altLang="en-US" sz="1800" dirty="0"/>
+              <a:rPr lang="en-US" altLang="en-US" sz="1800" dirty="0" smtClean="0"/>
               <a:t>random variables</a:t>
             </a:r>
           </a:p>
           <a:p>
             <a:pPr lvl="1"/>
             <a:r>
-              <a:rPr lang="en-US" altLang="en-US" sz="1800" dirty="0"/>
+              <a:rPr lang="en-US" altLang="en-US" sz="1800" dirty="0" smtClean="0"/>
               <a:t>discrete and continuous distributions</a:t>
             </a:r>
           </a:p>
           <a:p>
             <a:pPr lvl="1"/>
             <a:r>
-              <a:rPr lang="en-US" altLang="en-US" sz="1800" dirty="0"/>
+              <a:rPr lang="en-US" altLang="en-US" sz="1800" dirty="0" smtClean="0"/>
               <a:t>Bayes’ theorem</a:t>
             </a:r>
           </a:p>
           <a:p>
             <a:pPr eaLnBrk="1" hangingPunct="1"/>
             <a:r>
-              <a:rPr lang="en-US" altLang="en-US" sz="2400" dirty="0"/>
+              <a:rPr lang="en-US" altLang="en-US" sz="2400" dirty="0" smtClean="0"/>
               <a:t>Programming</a:t>
             </a:r>
           </a:p>
           <a:p>
             <a:pPr lvl="1"/>
             <a:r>
-              <a:rPr lang="en-US" altLang="en-US" sz="1800" dirty="0"/>
+              <a:rPr lang="en-US" altLang="en-US" sz="1800" dirty="0" smtClean="0"/>
               <a:t>Python in a UNIX environment.</a:t>
             </a:r>
           </a:p>
           <a:p>
             <a:pPr lvl="1"/>
             <a:r>
-              <a:rPr lang="en-US" altLang="en-US" sz="1800" dirty="0"/>
+              <a:rPr lang="en-US" altLang="en-US" sz="1800" dirty="0" smtClean="0"/>
               <a:t>text manipulation</a:t>
             </a:r>
           </a:p>
@@ -10517,9 +10601,10 @@
           <a:lstStyle/>
           <a:p>
             <a:r>
-              <a:rPr lang="en-US" dirty="0"/>
+              <a:rPr lang="en-US" dirty="0" smtClean="0"/>
               <a:t>Background Links</a:t>
             </a:r>
+            <a:endParaRPr lang="en-US" dirty="0"/>
           </a:p>
         </p:txBody>
       </p:sp>
@@ -10546,58 +10631,94 @@
           <a:lstStyle/>
           <a:p>
             <a:r>
-              <a:rPr lang="en-US" dirty="0"/>
+              <a:rPr lang="en-US" dirty="0" smtClean="0"/>
               <a:t>Matrix multiplication</a:t>
             </a:r>
           </a:p>
           <a:p>
             <a:pPr lvl="1"/>
+            <a:r>
+              <a:rPr lang="en-US" dirty="0" smtClean="0">
+                <a:hlinkClick r:id="rId2"/>
+              </a:rPr>
+              <a:t>https</a:t>
+            </a:r>
             <a:r>
               <a:rPr lang="en-US" dirty="0">
                 <a:hlinkClick r:id="rId2"/>
               </a:rPr>
-              <a:t>https://www.intmath.com/matrices-determinants/matrix-multiplication-examples.php</a:t>
-            </a:r>
-            <a:r>
-              <a:rPr lang="en-US" dirty="0"/>
+              <a:t>://</a:t>
+            </a:r>
+            <a:r>
+              <a:rPr lang="en-US" dirty="0" smtClean="0">
+                <a:hlinkClick r:id="rId2"/>
+              </a:rPr>
+              <a:t>www.intmath.com/matrices-determinants/matrix-multiplication-examples.php</a:t>
+            </a:r>
+            <a:r>
+              <a:rPr lang="en-US" dirty="0" smtClean="0"/>
               <a:t> </a:t>
             </a:r>
           </a:p>
           <a:p>
             <a:r>
-              <a:rPr lang="en-US" dirty="0"/>
+              <a:rPr lang="en-US" dirty="0" smtClean="0"/>
               <a:t>Bayes theorem</a:t>
             </a:r>
           </a:p>
           <a:p>
             <a:pPr lvl="1"/>
+            <a:r>
+              <a:rPr lang="en-US" dirty="0" smtClean="0">
+                <a:hlinkClick r:id="rId3"/>
+              </a:rPr>
+              <a:t>https</a:t>
+            </a:r>
             <a:r>
               <a:rPr lang="en-US" dirty="0">
                 <a:hlinkClick r:id="rId3"/>
               </a:rPr>
-              <a:t>https://betterexplained.com/articles/an-intuitive-and-short-explanation-of-bayes-theorem/</a:t>
-            </a:r>
-            <a:r>
-              <a:rPr lang="en-US" dirty="0"/>
+              <a:t>://betterexplained.com/articles/an-intuitive-and-short-explanation-of-bayes-theorem</a:t>
+            </a:r>
+            <a:r>
+              <a:rPr lang="en-US" dirty="0" smtClean="0">
+                <a:hlinkClick r:id="rId3"/>
+              </a:rPr>
+              <a:t>/</a:t>
+            </a:r>
+            <a:r>
+              <a:rPr lang="en-US" dirty="0" smtClean="0"/>
               <a:t> </a:t>
             </a:r>
           </a:p>
           <a:p>
             <a:r>
-              <a:rPr lang="en-US" dirty="0"/>
+              <a:rPr lang="en-US" dirty="0" smtClean="0"/>
               <a:t>Derivative of the sigmoid function</a:t>
             </a:r>
           </a:p>
           <a:p>
             <a:pPr lvl="1"/>
+            <a:r>
+              <a:rPr lang="en-US" dirty="0" smtClean="0">
+                <a:hlinkClick r:id="rId4"/>
+              </a:rPr>
+              <a:t>https</a:t>
+            </a:r>
             <a:r>
               <a:rPr lang="en-US" dirty="0">
                 <a:hlinkClick r:id="rId4"/>
               </a:rPr>
-              <a:t>https://beckernick.github.io/sigmoid-derivative-neural-network/</a:t>
-            </a:r>
-            <a:r>
-              <a:rPr lang="en-US" dirty="0"/>
+              <a:t>://beckernick.github.io/sigmoid-derivative-neural-network</a:t>
+            </a:r>
+            <a:r>
+              <a:rPr lang="en-US" dirty="0" smtClean="0">
+                <a:hlinkClick r:id="rId4"/>
+              </a:rPr>
+              <a:t>/</a:t>
+            </a:r>
+            <a:r>
+              <a:rPr lang="en-US" dirty="0" smtClean="0"/>
               <a:t>   </a:t>
             </a:r>
           </a:p>
@@ -10619,6 +10740,13 @@
   <p:clrMapOvr>
     <a:masterClrMapping/>
   </p:clrMapOvr>
+  <p:timing>
+    <p:tnLst>
+      <p:par>
+        <p:cTn id="1" dur="indefinite" restart="never" nodeType="tmRoot"/>
+      </p:par>
+    </p:tnLst>
+  </p:timing>
 </p:sld>
 </file>
 
@@ -10656,7 +10784,7 @@
           <a:p>
             <a:pPr eaLnBrk="1" hangingPunct="1"/>
             <a:r>
-              <a:rPr lang="en-US" altLang="en-US" dirty="0"/>
+              <a:rPr lang="en-US" altLang="en-US" smtClean="0"/>
               <a:t>Grading</a:t>
             </a:r>
           </a:p>
@@ -10690,7 +10818,7 @@
               </a:lnSpc>
             </a:pPr>
             <a:r>
-              <a:rPr lang="en-US" altLang="en-US" dirty="0"/>
+              <a:rPr lang="en-US" altLang="en-US" dirty="0" smtClean="0"/>
               <a:t>Assignments (50%)</a:t>
             </a:r>
           </a:p>
@@ -10702,7 +10830,15 @@
             </a:pPr>
             <a:r>
               <a:rPr lang="en-US" altLang="en-US" dirty="0"/>
-              <a:t>HW0+HW1 = 2+8=10%</a:t>
+              <a:t>HW0+HW1 = </a:t>
+            </a:r>
+            <a:r>
+              <a:rPr lang="en-US" altLang="en-US" dirty="0" smtClean="0"/>
+              <a:t>2+8=10</a:t>
+            </a:r>
+            <a:r>
+              <a:rPr lang="en-US" altLang="en-US" dirty="0"/>
+              <a:t>%</a:t>
             </a:r>
           </a:p>
           <a:p>
@@ -10745,8 +10881,16 @@
               </a:lnSpc>
             </a:pPr>
             <a:r>
+              <a:rPr lang="en-US" altLang="en-US" dirty="0" smtClean="0"/>
+              <a:t>HW5 </a:t>
+            </a:r>
+            <a:r>
               <a:rPr lang="en-US" altLang="en-US" dirty="0"/>
-              <a:t>HW5 = 10%</a:t>
+              <a:t>= 10</a:t>
+            </a:r>
+            <a:r>
+              <a:rPr lang="en-US" altLang="en-US" dirty="0" smtClean="0"/>
+              <a:t>%</a:t>
             </a:r>
           </a:p>
           <a:p>
@@ -10756,9 +10900,10 @@
               </a:lnSpc>
             </a:pPr>
             <a:r>
-              <a:rPr lang="en-US" altLang="en-US" dirty="0"/>
+              <a:rPr lang="en-US" altLang="en-US" dirty="0" smtClean="0"/>
               <a:t>Exams (45%)</a:t>
             </a:r>
+            <a:endParaRPr lang="en-US" altLang="en-US" dirty="0"/>
           </a:p>
           <a:p>
             <a:pPr lvl="1">
@@ -10778,8 +10923,12 @@
               </a:lnSpc>
             </a:pPr>
             <a:r>
+              <a:rPr lang="en-US" altLang="en-US" dirty="0" smtClean="0"/>
+              <a:t>final </a:t>
+            </a:r>
+            <a:r>
               <a:rPr lang="en-US" altLang="en-US" dirty="0"/>
-              <a:t>final exam = 25%</a:t>
+              <a:t>exam = 25%</a:t>
             </a:r>
           </a:p>
           <a:p>
@@ -10789,8 +10938,16 @@
               </a:lnSpc>
             </a:pPr>
             <a:r>
+              <a:rPr lang="en-US" altLang="en-US" dirty="0" smtClean="0"/>
+              <a:t>Class </a:t>
+            </a:r>
+            <a:r>
               <a:rPr lang="en-US" altLang="en-US" dirty="0"/>
-              <a:t>Class participation (5%)</a:t>
+              <a:t>participation (</a:t>
+            </a:r>
+            <a:r>
+              <a:rPr lang="en-US" altLang="en-US" dirty="0" smtClean="0"/>
+              <a:t>5%)</a:t>
             </a:r>
           </a:p>
           <a:p>
@@ -10800,9 +10957,26 @@
               </a:lnSpc>
             </a:pPr>
             <a:r>
+              <a:rPr lang="en-US" altLang="en-US" dirty="0" smtClean="0"/>
+              <a:t>In-class participation</a:t>
+            </a:r>
+            <a:r>
               <a:rPr lang="en-US" altLang="en-US" dirty="0"/>
-              <a:t>In-class participation, asking questions on Piazza, answering questions, office hours</a:t>
-            </a:r>
+              <a:t>, asking questions on Piazza, answering </a:t>
+            </a:r>
+            <a:r>
+              <a:rPr lang="en-US" altLang="en-US" dirty="0" smtClean="0"/>
+              <a:t>questions, </a:t>
+            </a:r>
+            <a:r>
+              <a:rPr lang="en-US" altLang="en-US" dirty="0"/>
+              <a:t>office </a:t>
+            </a:r>
+            <a:r>
+              <a:rPr lang="en-US" altLang="en-US" dirty="0" smtClean="0"/>
+              <a:t>hours</a:t>
+            </a:r>
+            <a:endParaRPr lang="en-US" altLang="en-US" dirty="0"/>
           </a:p>
           <a:p>
             <a:pPr lvl="1">
@@ -10820,7 +10994,7 @@
               <a:buFontTx/>
               <a:buNone/>
             </a:pPr>
-            <a:endParaRPr lang="en-US" altLang="en-US" dirty="0"/>
+            <a:endParaRPr lang="en-US" altLang="en-US" dirty="0" smtClean="0"/>
           </a:p>
         </p:txBody>
       </p:sp>
@@ -10953,7 +11127,7 @@
           <a:p>
             <a:pPr eaLnBrk="1" hangingPunct="1"/>
             <a:r>
-              <a:rPr lang="en-US" altLang="en-US" dirty="0"/>
+              <a:rPr lang="en-US" altLang="en-US" dirty="0" smtClean="0"/>
               <a:t>Sample Programming Assignments</a:t>
             </a:r>
           </a:p>
@@ -10987,7 +11161,7 @@
               </a:lnSpc>
             </a:pPr>
             <a:r>
-              <a:rPr lang="en-US" altLang="en-US" sz="2400" dirty="0"/>
+              <a:rPr lang="en-US" altLang="en-US" sz="2400" dirty="0" smtClean="0"/>
               <a:t>Language Modeling and Part of Speech Tagging</a:t>
             </a:r>
           </a:p>
@@ -10998,7 +11172,7 @@
               </a:lnSpc>
             </a:pPr>
             <a:r>
-              <a:rPr lang="en-US" altLang="en-US" sz="2400" dirty="0"/>
+              <a:rPr lang="en-US" altLang="en-US" sz="2400" dirty="0" smtClean="0"/>
               <a:t>Dependency Parsing</a:t>
             </a:r>
           </a:p>
@@ -11009,7 +11183,7 @@
               </a:lnSpc>
             </a:pPr>
             <a:r>
-              <a:rPr lang="en-US" altLang="en-US" sz="2400" dirty="0"/>
+              <a:rPr lang="en-US" altLang="en-US" sz="2400" dirty="0" smtClean="0"/>
               <a:t>Vector Semantics and Word Sense Disambiguation</a:t>
             </a:r>
           </a:p>
@@ -11020,7 +11194,7 @@
               </a:lnSpc>
             </a:pPr>
             <a:r>
-              <a:rPr lang="en-US" altLang="en-US" sz="2400" dirty="0"/>
+              <a:rPr lang="en-US" altLang="en-US" sz="2400" dirty="0" smtClean="0"/>
               <a:t>Question Answering</a:t>
             </a:r>
           </a:p>
@@ -11031,7 +11205,7 @@
               </a:lnSpc>
             </a:pPr>
             <a:r>
-              <a:rPr lang="en-US" altLang="en-US" sz="2400" dirty="0"/>
+              <a:rPr lang="en-US" altLang="en-US" sz="2400" dirty="0" smtClean="0"/>
               <a:t>Deep Learning </a:t>
             </a:r>
           </a:p>
@@ -11042,7 +11216,7 @@
               </a:lnSpc>
             </a:pPr>
             <a:r>
-              <a:rPr lang="en-US" altLang="en-US" sz="2400" dirty="0"/>
+              <a:rPr lang="en-US" altLang="en-US" sz="2400" dirty="0" smtClean="0"/>
               <a:t>Machine Translation</a:t>
             </a:r>
           </a:p>
@@ -11053,7 +11227,7 @@
               </a:lnSpc>
             </a:pPr>
             <a:r>
-              <a:rPr lang="en-US" altLang="en-US" sz="2400" dirty="0"/>
+              <a:rPr lang="en-US" altLang="en-US" sz="2400" dirty="0" smtClean="0"/>
               <a:t>Sentiment Analysis</a:t>
             </a:r>
           </a:p>
@@ -11064,7 +11238,7 @@
               </a:lnSpc>
             </a:pPr>
             <a:r>
-              <a:rPr lang="en-US" altLang="en-US" sz="2400" dirty="0"/>
+              <a:rPr lang="en-US" altLang="en-US" sz="2400" dirty="0" smtClean="0"/>
               <a:t>Natural Language Interface to a Database</a:t>
             </a:r>
           </a:p>
@@ -11075,7 +11249,7 @@
               </a:lnSpc>
             </a:pPr>
             <a:r>
-              <a:rPr lang="en-US" altLang="en-US" sz="2400" dirty="0"/>
+              <a:rPr lang="en-US" altLang="en-US" sz="2400" dirty="0" smtClean="0"/>
               <a:t>Semantic Parsing</a:t>
             </a:r>
           </a:p>
@@ -11085,7 +11259,7 @@
                 <a:spcPct val="120000"/>
               </a:lnSpc>
             </a:pPr>
-            <a:endParaRPr lang="en-US" altLang="en-US" sz="2400" dirty="0"/>
+            <a:endParaRPr lang="en-US" altLang="en-US" sz="2400" dirty="0" smtClean="0"/>
           </a:p>
         </p:txBody>
       </p:sp>
@@ -11609,9 +11783,10 @@
           <a:lstStyle/>
           <a:p>
             <a:r>
-              <a:rPr lang="en-US" dirty="0"/>
+              <a:rPr lang="en-US" dirty="0" smtClean="0"/>
               <a:t>Natural Language Processing</a:t>
             </a:r>
+            <a:endParaRPr lang="en-US" dirty="0"/>
           </a:p>
         </p:txBody>
       </p:sp>
@@ -11631,9 +11806,10 @@
           <a:lstStyle/>
           <a:p>
             <a:r>
-              <a:rPr lang="en-US" dirty="0"/>
+              <a:rPr lang="en-US" dirty="0" smtClean="0"/>
               <a:t>Introduction and Class Logistics</a:t>
             </a:r>
+            <a:endParaRPr lang="en-US" dirty="0"/>
           </a:p>
         </p:txBody>
       </p:sp>
@@ -11647,6 +11823,13 @@
   <p:clrMapOvr>
     <a:masterClrMapping/>
   </p:clrMapOvr>
+  <p:timing>
+    <p:tnLst>
+      <p:par>
+        <p:cTn id="1" dur="indefinite" restart="never" nodeType="tmRoot"/>
+      </p:par>
+    </p:tnLst>
+  </p:timing>
 </p:sld>
 </file>
 
@@ -11688,7 +11871,7 @@
           <a:lstStyle/>
           <a:p>
             <a:r>
-              <a:rPr lang="en-US" dirty="0"/>
+              <a:rPr lang="en-US" dirty="0" smtClean="0"/>
               <a:t>How to get the most out of the class?</a:t>
             </a:r>
           </a:p>
@@ -11717,47 +11900,47 @@
           <a:lstStyle/>
           <a:p>
             <a:r>
-              <a:rPr lang="en-US" sz="2400" dirty="0"/>
+              <a:rPr lang="en-US" sz="2400" dirty="0" smtClean="0"/>
               <a:t>Attend the lectures and study the slides</a:t>
             </a:r>
           </a:p>
           <a:p>
             <a:pPr lvl="1"/>
             <a:r>
-              <a:rPr lang="en-US" sz="2000" dirty="0"/>
+              <a:rPr lang="en-US" sz="2000" dirty="0" smtClean="0"/>
               <a:t>Course syllabus + slides </a:t>
             </a:r>
             <a:r>
-              <a:rPr lang="en-US" sz="2000" dirty="0">
+              <a:rPr lang="en-US" sz="2000" dirty="0" smtClean="0">
                 <a:sym typeface="Wingdings" pitchFamily="2" charset="2"/>
               </a:rPr>
               <a:t>= road map </a:t>
             </a:r>
-            <a:endParaRPr lang="en-US" sz="2000" dirty="0"/>
+            <a:endParaRPr lang="en-US" sz="2000" dirty="0" smtClean="0"/>
           </a:p>
           <a:p>
             <a:pPr lvl="1"/>
             <a:r>
-              <a:rPr lang="en-US" sz="2000" dirty="0"/>
+              <a:rPr lang="en-US" sz="2000" dirty="0" smtClean="0"/>
               <a:t>Some material may not be found in any of the readings</a:t>
             </a:r>
           </a:p>
           <a:p>
             <a:r>
-              <a:rPr lang="en-US" sz="2400" dirty="0"/>
+              <a:rPr lang="en-US" sz="2400" dirty="0" smtClean="0"/>
               <a:t>Hands on experience</a:t>
             </a:r>
           </a:p>
           <a:p>
             <a:pPr lvl="1"/>
             <a:r>
-              <a:rPr lang="en-US" sz="1900" dirty="0"/>
+              <a:rPr lang="en-US" sz="1900" dirty="0" smtClean="0"/>
               <a:t>Implement what you’ve learned </a:t>
             </a:r>
           </a:p>
           <a:p>
             <a:r>
-              <a:rPr lang="en-US" sz="2400" dirty="0"/>
+              <a:rPr lang="en-US" sz="2400" dirty="0" smtClean="0"/>
               <a:t>Ask questions in and after class</a:t>
             </a:r>
           </a:p>
@@ -12136,7 +12319,7 @@
           <a:lstStyle/>
           <a:p>
             <a:r>
-              <a:rPr lang="en-US"/>
+              <a:rPr lang="en-US" smtClean="0"/>
               <a:t>Questions?</a:t>
             </a:r>
           </a:p>
@@ -12165,14 +12348,14 @@
           <a:lstStyle/>
           <a:p>
             <a:r>
-              <a:rPr lang="en-US" sz="2400" dirty="0"/>
+              <a:rPr lang="en-US" sz="2400" dirty="0" smtClean="0"/>
               <a:t>Use the right channel for communication</a:t>
             </a:r>
           </a:p>
           <a:p>
             <a:pPr lvl="1"/>
             <a:r>
-              <a:rPr lang="en-US" dirty="0">
+              <a:rPr lang="en-US" dirty="0" smtClean="0">
                 <a:sym typeface="Wingdings" pitchFamily="2" charset="2"/>
               </a:rPr>
               <a:t>Piazza</a:t>
@@ -12180,30 +12363,30 @@
           </a:p>
           <a:p>
             <a:r>
-              <a:rPr lang="en-US" sz="2400" dirty="0"/>
+              <a:rPr lang="en-US" sz="2400" dirty="0" smtClean="0"/>
               <a:t>In special cases (e.g., sickness, regrading), use email</a:t>
             </a:r>
           </a:p>
           <a:p>
             <a:pPr lvl="1"/>
             <a:r>
-              <a:rPr lang="en-US" sz="1800" dirty="0"/>
+              <a:rPr lang="en-US" sz="1800" dirty="0" smtClean="0"/>
               <a:t>Include [CPSC477] or [CPSC577] or [NLP Class] in the subject line</a:t>
             </a:r>
           </a:p>
           <a:p>
             <a:r>
-              <a:rPr lang="en-US" sz="2400" dirty="0"/>
+              <a:rPr lang="en-US" sz="2400" dirty="0" smtClean="0"/>
               <a:t>Office Hours: </a:t>
             </a:r>
           </a:p>
           <a:p>
             <a:pPr lvl="1"/>
             <a:r>
-              <a:rPr lang="en-US" dirty="0"/>
+              <a:rPr lang="en-US" dirty="0" smtClean="0"/>
               <a:t>TBA</a:t>
             </a:r>
-            <a:endParaRPr lang="en-US" b="1" dirty="0"/>
+            <a:endParaRPr lang="en-US" b="1" dirty="0" smtClean="0"/>
           </a:p>
         </p:txBody>
       </p:sp>
@@ -12527,7 +12710,7 @@
           <a:p>
             <a:pPr eaLnBrk="1" hangingPunct="1"/>
             <a:r>
-              <a:rPr lang="en-US" altLang="en-US" dirty="0"/>
+              <a:rPr lang="en-US" altLang="en-US" dirty="0" smtClean="0"/>
               <a:t>Courses at Other Places</a:t>
             </a:r>
           </a:p>
@@ -12561,7 +12744,7 @@
               </a:lnSpc>
             </a:pPr>
             <a:r>
-              <a:rPr lang="en-US" altLang="en-US" sz="2400" dirty="0"/>
+              <a:rPr lang="en-US" altLang="en-US" sz="2400" dirty="0" smtClean="0"/>
               <a:t>Brick-and-Mortar</a:t>
             </a:r>
           </a:p>
@@ -12572,10 +12755,10 @@
               </a:lnSpc>
             </a:pPr>
             <a:r>
-              <a:rPr lang="en-US" altLang="en-US" sz="1900" dirty="0"/>
+              <a:rPr lang="en-US" altLang="en-US" sz="1900" dirty="0" smtClean="0"/>
               <a:t>Johns Hopkins (Jason Eisner)</a:t>
             </a:r>
-            <a:endParaRPr lang="en-US" altLang="en-US" sz="700" dirty="0"/>
+            <a:endParaRPr lang="en-US" altLang="en-US" sz="700" dirty="0" smtClean="0"/>
           </a:p>
           <a:p>
             <a:pPr lvl="1">
@@ -12584,23 +12767,23 @@
               </a:lnSpc>
             </a:pPr>
             <a:r>
-              <a:rPr lang="en-US" altLang="en-US" sz="1900" dirty="0"/>
+              <a:rPr lang="en-US" altLang="en-US" sz="1900" dirty="0" smtClean="0"/>
               <a:t>Stanford (Chris Manning, Dan </a:t>
             </a:r>
             <a:r>
-              <a:rPr lang="en-US" altLang="en-US" sz="1900" dirty="0" err="1"/>
+              <a:rPr lang="en-US" altLang="en-US" sz="1900" dirty="0" err="1" smtClean="0"/>
               <a:t>Jurafsky</a:t>
             </a:r>
             <a:r>
-              <a:rPr lang="en-US" altLang="en-US" sz="1900" dirty="0"/>
+              <a:rPr lang="en-US" altLang="en-US" sz="1900" dirty="0" smtClean="0"/>
               <a:t>, Richard </a:t>
             </a:r>
             <a:r>
-              <a:rPr lang="en-US" altLang="en-US" sz="1900" dirty="0" err="1"/>
+              <a:rPr lang="en-US" altLang="en-US" sz="1900" dirty="0" err="1" smtClean="0"/>
               <a:t>Socher</a:t>
             </a:r>
             <a:r>
-              <a:rPr lang="en-US" altLang="en-US" sz="1900" dirty="0"/>
+              <a:rPr lang="en-US" altLang="en-US" sz="1900" dirty="0" smtClean="0"/>
               <a:t>, Chris Potts)</a:t>
             </a:r>
           </a:p>
@@ -12611,15 +12794,15 @@
               </a:lnSpc>
             </a:pPr>
             <a:r>
-              <a:rPr lang="en-US" altLang="en-US" sz="1900" dirty="0"/>
+              <a:rPr lang="en-US" altLang="en-US" sz="1900" dirty="0" smtClean="0"/>
               <a:t>Maryland (Marine </a:t>
             </a:r>
             <a:r>
-              <a:rPr lang="en-US" altLang="en-US" sz="1900" dirty="0" err="1"/>
+              <a:rPr lang="en-US" altLang="en-US" sz="1900" dirty="0" err="1" smtClean="0"/>
               <a:t>Carpuat</a:t>
             </a:r>
             <a:r>
-              <a:rPr lang="en-US" altLang="en-US" sz="1900" dirty="0"/>
+              <a:rPr lang="en-US" altLang="en-US" sz="1900" dirty="0" smtClean="0"/>
               <a:t>)</a:t>
             </a:r>
           </a:p>
@@ -12630,7 +12813,7 @@
               </a:lnSpc>
             </a:pPr>
             <a:r>
-              <a:rPr lang="en-US" altLang="en-US" sz="1900" dirty="0"/>
+              <a:rPr lang="en-US" altLang="en-US" sz="1900" dirty="0" smtClean="0"/>
               <a:t>Berkeley (Dan Klein)</a:t>
             </a:r>
           </a:p>
@@ -12641,7 +12824,7 @@
               </a:lnSpc>
             </a:pPr>
             <a:r>
-              <a:rPr lang="en-US" altLang="en-US" sz="1900" dirty="0"/>
+              <a:rPr lang="en-US" altLang="en-US" sz="1900" dirty="0" smtClean="0"/>
               <a:t>Harvard (Sasha Rush)</a:t>
             </a:r>
           </a:p>
@@ -12652,7 +12835,7 @@
               </a:lnSpc>
             </a:pPr>
             <a:r>
-              <a:rPr lang="en-US" altLang="en-US" sz="1900" dirty="0"/>
+              <a:rPr lang="en-US" altLang="en-US" sz="1900" dirty="0" smtClean="0"/>
               <a:t>Georgia Tech (Jacob Eisenstein)</a:t>
             </a:r>
           </a:p>
@@ -12663,15 +12846,15 @@
               </a:lnSpc>
             </a:pPr>
             <a:r>
-              <a:rPr lang="en-US" altLang="en-US" sz="1900" dirty="0"/>
+              <a:rPr lang="en-US" altLang="en-US" sz="1900" dirty="0" smtClean="0"/>
               <a:t>Illinois (Julia </a:t>
             </a:r>
             <a:r>
-              <a:rPr lang="en-US" altLang="en-US" sz="1900" dirty="0" err="1"/>
+              <a:rPr lang="en-US" altLang="en-US" sz="1900" dirty="0" err="1" smtClean="0"/>
               <a:t>Hockenmaier</a:t>
             </a:r>
             <a:r>
-              <a:rPr lang="en-US" altLang="en-US" sz="1900" dirty="0"/>
+              <a:rPr lang="en-US" altLang="en-US" sz="1900" dirty="0" smtClean="0"/>
               <a:t>)</a:t>
             </a:r>
           </a:p>
@@ -12682,18 +12865,18 @@
               </a:lnSpc>
             </a:pPr>
             <a:r>
-              <a:rPr lang="en-US" altLang="en-US" sz="1900" dirty="0"/>
+              <a:rPr lang="en-US" altLang="en-US" sz="1900" dirty="0" smtClean="0"/>
               <a:t>UNC (</a:t>
             </a:r>
             <a:r>
-              <a:rPr lang="en-US" altLang="en-US" sz="1900" dirty="0" err="1"/>
+              <a:rPr lang="en-US" altLang="en-US" sz="1900" dirty="0" err="1" smtClean="0"/>
               <a:t>Mohit</a:t>
             </a:r>
             <a:r>
-              <a:rPr lang="en-US" altLang="en-US" sz="1900" dirty="0"/>
+              <a:rPr lang="en-US" altLang="en-US" sz="1900" dirty="0" smtClean="0"/>
               <a:t> Bansal)</a:t>
             </a:r>
-            <a:endParaRPr lang="en-US" altLang="en-US" sz="700" dirty="0"/>
+            <a:endParaRPr lang="en-US" altLang="en-US" sz="700" dirty="0" smtClean="0"/>
           </a:p>
           <a:p>
             <a:pPr eaLnBrk="1" hangingPunct="1">
@@ -12702,10 +12885,10 @@
               </a:lnSpc>
             </a:pPr>
             <a:r>
-              <a:rPr lang="en-US" altLang="en-US" sz="2400" dirty="0" err="1"/>
+              <a:rPr lang="en-US" altLang="en-US" sz="2400" dirty="0" err="1" smtClean="0"/>
               <a:t>Coursera</a:t>
             </a:r>
-            <a:endParaRPr lang="en-US" altLang="en-US" sz="2400" dirty="0"/>
+            <a:endParaRPr lang="en-US" altLang="en-US" sz="2400" dirty="0" smtClean="0"/>
           </a:p>
           <a:p>
             <a:pPr lvl="1" eaLnBrk="1" hangingPunct="1">
@@ -12714,15 +12897,15 @@
               </a:lnSpc>
             </a:pPr>
             <a:r>
-              <a:rPr lang="en-US" altLang="en-US" sz="1900" dirty="0"/>
+              <a:rPr lang="en-US" altLang="en-US" sz="1900" dirty="0" smtClean="0"/>
               <a:t>Manning/</a:t>
             </a:r>
             <a:r>
-              <a:rPr lang="en-US" altLang="en-US" sz="1900" dirty="0" err="1"/>
+              <a:rPr lang="en-US" altLang="en-US" sz="1900" dirty="0" err="1" smtClean="0"/>
               <a:t>Jurafsky</a:t>
             </a:r>
             <a:r>
-              <a:rPr lang="en-US" altLang="en-US" sz="1900" dirty="0"/>
+              <a:rPr lang="en-US" altLang="en-US" sz="1900" dirty="0" smtClean="0"/>
               <a:t> (2012, survey)</a:t>
             </a:r>
           </a:p>
@@ -12733,9 +12916,10 @@
               </a:lnSpc>
             </a:pPr>
             <a:r>
-              <a:rPr lang="en-US" altLang="en-US" sz="1900" dirty="0"/>
+              <a:rPr lang="en-US" altLang="en-US" sz="1900" dirty="0" smtClean="0"/>
               <a:t>Michael Collins (2013, more advanced)</a:t>
             </a:r>
+            <a:endParaRPr lang="en-US" altLang="en-US" sz="1900" dirty="0"/>
           </a:p>
           <a:p>
             <a:pPr lvl="1" eaLnBrk="1" hangingPunct="1">
@@ -12744,7 +12928,7 @@
               </a:lnSpc>
             </a:pPr>
             <a:r>
-              <a:rPr lang="en-US" altLang="en-US" sz="1900" dirty="0"/>
+              <a:rPr lang="en-US" altLang="en-US" sz="1900" dirty="0" smtClean="0"/>
               <a:t>Radev (2015-2016, survey)</a:t>
             </a:r>
           </a:p>
@@ -13466,9 +13650,10 @@
           <a:lstStyle/>
           <a:p>
             <a:r>
-              <a:rPr lang="en-US" sz="2000" dirty="0"/>
+              <a:rPr lang="en-US" sz="2000" dirty="0" smtClean="0"/>
               <a:t>The Association for Computational Linguistics (ACL)</a:t>
             </a:r>
+            <a:endParaRPr lang="en-US" sz="2000" dirty="0"/>
           </a:p>
         </p:txBody>
       </p:sp>
@@ -13536,6 +13721,13 @@
   <p:clrMapOvr>
     <a:masterClrMapping/>
   </p:clrMapOvr>
+  <p:timing>
+    <p:tnLst>
+      <p:par>
+        <p:cTn id="1" dur="indefinite" restart="never" nodeType="tmRoot"/>
+      </p:par>
+    </p:tnLst>
+  </p:timing>
 </p:sld>
 </file>
 
@@ -13573,7 +13765,7 @@
           <a:p>
             <a:pPr eaLnBrk="1" hangingPunct="1"/>
             <a:r>
-              <a:rPr lang="en-US" altLang="en-US" sz="3200" dirty="0"/>
+              <a:rPr lang="en-US" altLang="en-US" sz="3200" dirty="0" smtClean="0"/>
               <a:t>The Alphabet Soup</a:t>
             </a:r>
           </a:p>
@@ -13598,55 +13790,55 @@
           <a:p>
             <a:pPr eaLnBrk="1" hangingPunct="1"/>
             <a:r>
-              <a:rPr lang="en-US" altLang="en-US" sz="1800" dirty="0"/>
+              <a:rPr lang="en-US" altLang="en-US" sz="1800" dirty="0" smtClean="0"/>
               <a:t>NLP (Natural Language Processing)</a:t>
             </a:r>
           </a:p>
           <a:p>
             <a:pPr eaLnBrk="1" hangingPunct="1"/>
             <a:r>
-              <a:rPr lang="en-US" altLang="en-US" sz="1800" dirty="0"/>
+              <a:rPr lang="en-US" altLang="en-US" sz="1800" dirty="0" smtClean="0"/>
               <a:t>CL (Computational Linguistics)</a:t>
             </a:r>
           </a:p>
           <a:p>
             <a:pPr eaLnBrk="1" hangingPunct="1"/>
             <a:r>
-              <a:rPr lang="en-US" altLang="en-US" sz="1800" dirty="0"/>
+              <a:rPr lang="en-US" altLang="en-US" sz="1800" dirty="0" smtClean="0"/>
               <a:t>IR (Information Retrieval)</a:t>
             </a:r>
           </a:p>
           <a:p>
             <a:pPr eaLnBrk="1" hangingPunct="1"/>
             <a:r>
-              <a:rPr lang="en-US" altLang="en-US" sz="1800" dirty="0"/>
+              <a:rPr lang="en-US" altLang="en-US" sz="1800" dirty="0" smtClean="0"/>
               <a:t>SP (Speech Processing)</a:t>
             </a:r>
           </a:p>
           <a:p>
             <a:pPr eaLnBrk="1" hangingPunct="1"/>
             <a:r>
-              <a:rPr lang="en-US" altLang="en-US" sz="1800" dirty="0"/>
+              <a:rPr lang="en-US" altLang="en-US" sz="1800" dirty="0" smtClean="0"/>
               <a:t>HLT (Human Language Technology)</a:t>
             </a:r>
           </a:p>
           <a:p>
             <a:pPr eaLnBrk="1" hangingPunct="1"/>
             <a:r>
-              <a:rPr lang="en-US" altLang="en-US" sz="1800" dirty="0"/>
+              <a:rPr lang="en-US" altLang="en-US" sz="1800" dirty="0" smtClean="0"/>
               <a:t>NLE (Natural Language Engineering)</a:t>
             </a:r>
           </a:p>
           <a:p>
             <a:pPr eaLnBrk="1" hangingPunct="1"/>
             <a:r>
-              <a:rPr lang="en-US" altLang="en-US" sz="1800" dirty="0"/>
+              <a:rPr lang="en-US" altLang="en-US" sz="1800" dirty="0" smtClean="0"/>
               <a:t>ML (Machine Learning)</a:t>
             </a:r>
           </a:p>
           <a:p>
             <a:pPr eaLnBrk="1" hangingPunct="1"/>
-            <a:endParaRPr lang="en-US" altLang="en-US" sz="1800" dirty="0"/>
+            <a:endParaRPr lang="en-US" altLang="en-US" sz="1800" dirty="0" smtClean="0"/>
           </a:p>
         </p:txBody>
       </p:sp>
@@ -13660,6 +13852,14 @@
   <p:clrMapOvr>
     <a:masterClrMapping/>
   </p:clrMapOvr>
+  <mc:AlternateContent xmlns:mc="http://schemas.openxmlformats.org/markup-compatibility/2006" xmlns:p14="http://schemas.microsoft.com/office/powerpoint/2010/main">
+    <mc:Choice Requires="p14">
+      <p:transition spd="slow" p14:dur="2000"/>
+    </mc:Choice>
+    <mc:Fallback xmlns="">
+      <p:transition spd="slow"/>
+    </mc:Fallback>
+  </mc:AlternateContent>
   <p:timing>
     <p:tnLst>
       <p:par>
@@ -14078,7 +14278,7 @@
           <a:p>
             <a:pPr eaLnBrk="1" hangingPunct="1"/>
             <a:r>
-              <a:rPr lang="en-US" altLang="en-US" sz="4400" dirty="0"/>
+              <a:rPr lang="en-US" altLang="en-US" sz="4400" dirty="0" smtClean="0"/>
               <a:t>Research in NLP</a:t>
             </a:r>
           </a:p>
@@ -14108,121 +14308,157 @@
           <a:p>
             <a:pPr eaLnBrk="1" hangingPunct="1"/>
             <a:r>
-              <a:rPr lang="en-US" altLang="en-US" sz="1600" dirty="0"/>
+              <a:rPr lang="en-US" altLang="en-US" sz="1600" dirty="0" smtClean="0"/>
               <a:t>Conferences: </a:t>
             </a:r>
           </a:p>
           <a:p>
             <a:pPr lvl="1"/>
             <a:r>
+              <a:rPr lang="en-US" altLang="en-US" sz="1200" dirty="0" smtClean="0"/>
+              <a:t>ACL, NAACL, EMNLP, SIGIR, AAAI/IJCAI, COLING, HLT, EACL, AMTA/MT Summit, ICSLP, </a:t>
+            </a:r>
+            <a:r>
+              <a:rPr lang="en-US" altLang="en-US" sz="1200" dirty="0" err="1" smtClean="0"/>
+              <a:t>Interspeech</a:t>
+            </a:r>
+            <a:r>
+              <a:rPr lang="en-US" altLang="en-US" sz="1200" dirty="0" smtClean="0"/>
+              <a:t>, </a:t>
+            </a:r>
+            <a:r>
+              <a:rPr lang="en-US" altLang="en-US" sz="1200" dirty="0" err="1" smtClean="0"/>
+              <a:t>NeurIPS</a:t>
+            </a:r>
+            <a:r>
+              <a:rPr lang="en-US" altLang="en-US" sz="1200" dirty="0" smtClean="0"/>
+              <a:t>, ICLR</a:t>
+            </a:r>
+          </a:p>
+          <a:p>
+            <a:pPr eaLnBrk="1" hangingPunct="1"/>
+            <a:r>
+              <a:rPr lang="en-US" altLang="en-US" sz="1600" dirty="0" smtClean="0"/>
+              <a:t>Journals: </a:t>
+            </a:r>
+          </a:p>
+          <a:p>
+            <a:pPr lvl="1"/>
+            <a:r>
+              <a:rPr lang="en-US" altLang="en-US" sz="1200" dirty="0" smtClean="0"/>
+              <a:t>Computational Linguistics, TACL, Natural Language Engineering, Information Retrieval, Information Processing and Management, ACM Transactions on Information Systems, ACM TALIP, ACM TSLP</a:t>
+            </a:r>
+          </a:p>
+          <a:p>
+            <a:r>
+              <a:rPr lang="en-US" altLang="en-US" sz="1600" dirty="0" smtClean="0"/>
+              <a:t>University centers: </a:t>
+            </a:r>
+          </a:p>
+          <a:p>
+            <a:pPr lvl="1"/>
+            <a:r>
+              <a:rPr lang="en-US" altLang="en-US" sz="1200" dirty="0" smtClean="0"/>
+              <a:t>Stanford, Berkeley, </a:t>
+            </a:r>
+            <a:r>
               <a:rPr lang="en-US" altLang="en-US" sz="1200" dirty="0"/>
-              <a:t>ACL, NAACL, EMNLP, SIGIR, AAAI/IJCAI, COLING, HLT, EACL, AMTA/MT Summit, ICSLP, </a:t>
-            </a:r>
-            <a:r>
-              <a:rPr lang="en-US" altLang="en-US" sz="1200" dirty="0" err="1"/>
-              <a:t>Interspeech</a:t>
+              <a:t>Columbia, </a:t>
+            </a:r>
+            <a:r>
+              <a:rPr lang="en-US" altLang="en-US" sz="1200" dirty="0" smtClean="0"/>
+              <a:t>CMU, JHU, Brown, UMass, MIT, </a:t>
+            </a:r>
+            <a:r>
+              <a:rPr lang="en-US" altLang="en-US" sz="1200" dirty="0" err="1" smtClean="0"/>
+              <a:t>UPenn</a:t>
+            </a:r>
+            <a:r>
+              <a:rPr lang="en-US" altLang="en-US" sz="1200" dirty="0" smtClean="0"/>
+              <a:t>, Illinois, Michigan, Yale, Washington, Maryland, NYU, etc.</a:t>
+            </a:r>
+          </a:p>
+          <a:p>
+            <a:pPr lvl="1"/>
+            <a:r>
+              <a:rPr lang="en-US" altLang="en-US" sz="1200" dirty="0" smtClean="0"/>
+              <a:t>Toronto, Edinburgh, Cambridge, </a:t>
+            </a:r>
+            <a:r>
+              <a:rPr lang="en-US" altLang="en-US" sz="1200" dirty="0"/>
+              <a:t>Sheffield, Saarland</a:t>
+            </a:r>
+            <a:r>
+              <a:rPr lang="en-US" altLang="en-US" sz="1200" dirty="0" smtClean="0"/>
+              <a:t>, Trento, Prague, QCRI, NUS, and many others</a:t>
+            </a:r>
+          </a:p>
+          <a:p>
+            <a:r>
+              <a:rPr lang="en-US" altLang="en-US" sz="1600" dirty="0" smtClean="0"/>
+              <a:t>Industrial research sites: </a:t>
+            </a:r>
+          </a:p>
+          <a:p>
+            <a:pPr lvl="1"/>
+            <a:r>
+              <a:rPr lang="en-US" altLang="en-US" sz="1200" dirty="0"/>
+              <a:t>G</a:t>
+            </a:r>
+            <a:r>
+              <a:rPr lang="en-US" altLang="en-US" sz="1200" dirty="0" smtClean="0"/>
+              <a:t>oogle</a:t>
             </a:r>
             <a:r>
               <a:rPr lang="en-US" altLang="en-US" sz="1200" dirty="0"/>
               <a:t>, </a:t>
             </a:r>
             <a:r>
-              <a:rPr lang="en-US" altLang="en-US" sz="1200" dirty="0" err="1"/>
-              <a:t>NeurIPS</a:t>
+              <a:rPr lang="en-US" altLang="en-US" sz="1200" dirty="0" smtClean="0"/>
+              <a:t>Facebook, MSR</a:t>
             </a:r>
             <a:r>
               <a:rPr lang="en-US" altLang="en-US" sz="1200" dirty="0"/>
-              <a:t>, ICLR</a:t>
+              <a:t>, </a:t>
+            </a:r>
+            <a:r>
+              <a:rPr lang="en-US" altLang="en-US" sz="1200" dirty="0" smtClean="0"/>
+              <a:t>IBM, SRI, BBN, MITRE, Baidu, Salesforce</a:t>
             </a:r>
           </a:p>
           <a:p>
             <a:pPr eaLnBrk="1" hangingPunct="1"/>
             <a:r>
-              <a:rPr lang="en-US" altLang="en-US" sz="1600" dirty="0"/>
-              <a:t>Journals: </a:t>
+              <a:rPr lang="en-US" altLang="en-US" sz="1600" dirty="0" smtClean="0"/>
+              <a:t>The ACL Anthology</a:t>
             </a:r>
           </a:p>
           <a:p>
             <a:pPr lvl="1"/>
             <a:r>
-              <a:rPr lang="en-US" altLang="en-US" sz="1200" dirty="0"/>
-              <a:t>Computational Linguistics, TACL, Natural Language Engineering, Information Retrieval, Information Processing and Management, ACM Transactions on Information Systems, ACM TALIP, ACM TSLP</a:t>
-            </a:r>
-          </a:p>
-          <a:p>
-            <a:r>
-              <a:rPr lang="en-US" altLang="en-US" sz="1600" dirty="0"/>
-              <a:t>University centers: </a:t>
-            </a:r>
-          </a:p>
-          <a:p>
-            <a:pPr lvl="1"/>
-            <a:r>
-              <a:rPr lang="en-US" altLang="en-US" sz="1200" dirty="0"/>
-              <a:t>Stanford, Berkeley, Columbia, CMU, JHU, Brown, UMass, MIT, </a:t>
-            </a:r>
-            <a:r>
-              <a:rPr lang="en-US" altLang="en-US" sz="1200" dirty="0" err="1"/>
-              <a:t>UPenn</a:t>
-            </a:r>
-            <a:r>
-              <a:rPr lang="en-US" altLang="en-US" sz="1200" dirty="0"/>
-              <a:t>, Illinois, Michigan, Yale, Washington, Maryland, NYU, etc.</a:t>
-            </a:r>
-          </a:p>
-          <a:p>
-            <a:pPr lvl="1"/>
-            <a:r>
-              <a:rPr lang="en-US" altLang="en-US" sz="1200" dirty="0"/>
-              <a:t>Toronto, Edinburgh, Cambridge, Sheffield, Saarland, Trento, Prague, QCRI, NUS, and many others</a:t>
-            </a:r>
-          </a:p>
-          <a:p>
-            <a:r>
-              <a:rPr lang="en-US" altLang="en-US" sz="1600" dirty="0"/>
-              <a:t>Industrial research sites: </a:t>
-            </a:r>
-          </a:p>
-          <a:p>
-            <a:pPr lvl="1"/>
-            <a:r>
-              <a:rPr lang="en-US" altLang="en-US" sz="1200" dirty="0"/>
-              <a:t>Google, Facebook, MSR, IBM, SRI, BBN, MITRE, Baidu, Salesforce</a:t>
-            </a:r>
-          </a:p>
-          <a:p>
-            <a:pPr eaLnBrk="1" hangingPunct="1"/>
-            <a:r>
-              <a:rPr lang="en-US" altLang="en-US" sz="1600" dirty="0"/>
-              <a:t>The ACL Anthology</a:t>
-            </a:r>
-          </a:p>
-          <a:p>
-            <a:pPr lvl="1"/>
-            <a:r>
-              <a:rPr lang="en-US" altLang="en-US" sz="1200" dirty="0">
+              <a:rPr lang="en-US" altLang="en-US" sz="1200" dirty="0" smtClean="0">
                 <a:hlinkClick r:id="rId2"/>
               </a:rPr>
               <a:t>http://www.aclweb.org/anthology</a:t>
             </a:r>
-            <a:endParaRPr lang="en-US" altLang="en-US" sz="1200" dirty="0"/>
-          </a:p>
-          <a:p>
-            <a:r>
-              <a:rPr lang="en-US" altLang="en-US" sz="1600" dirty="0"/>
+            <a:endParaRPr lang="en-US" altLang="en-US" sz="1200" dirty="0" smtClean="0"/>
+          </a:p>
+          <a:p>
+            <a:r>
+              <a:rPr lang="en-US" altLang="en-US" sz="1600" dirty="0" smtClean="0"/>
               <a:t>The ACL Anthology Network (AAN)</a:t>
             </a:r>
           </a:p>
           <a:p>
             <a:pPr lvl="1"/>
             <a:r>
-              <a:rPr lang="en-US" altLang="en-US" sz="1200" dirty="0">
+              <a:rPr lang="en-US" altLang="en-US" sz="1200" dirty="0" smtClean="0">
                 <a:hlinkClick r:id="rId3"/>
               </a:rPr>
               <a:t>http://aan.how</a:t>
             </a:r>
             <a:r>
-              <a:rPr lang="en-US" altLang="en-US" sz="1200" dirty="0"/>
+              <a:rPr lang="en-US" altLang="en-US" sz="1200" dirty="0" smtClean="0"/>
               <a:t>	</a:t>
             </a:r>
           </a:p>
@@ -14944,7 +15180,7 @@
           <a:lstStyle/>
           <a:p>
             <a:r>
-              <a:rPr lang="en-US" altLang="en-US" dirty="0"/>
+              <a:rPr lang="en-US" altLang="en-US" dirty="0" smtClean="0"/>
               <a:t>LILY Projects</a:t>
             </a:r>
           </a:p>
@@ -14973,23 +15209,23 @@
           <a:lstStyle/>
           <a:p>
             <a:r>
-              <a:rPr lang="en-US" altLang="en-US" sz="1800" dirty="0"/>
+              <a:rPr lang="en-US" altLang="en-US" sz="1800" dirty="0" smtClean="0"/>
               <a:t>Text summarization</a:t>
             </a:r>
           </a:p>
           <a:p>
             <a:r>
-              <a:rPr lang="en-US" altLang="en-US" sz="1800" dirty="0" err="1"/>
+              <a:rPr lang="en-US" altLang="en-US" sz="1800" dirty="0" err="1" smtClean="0"/>
               <a:t>Crosslingual</a:t>
             </a:r>
             <a:r>
-              <a:rPr lang="en-US" altLang="en-US" sz="1800" dirty="0"/>
+              <a:rPr lang="en-US" altLang="en-US" sz="1800" dirty="0" smtClean="0"/>
               <a:t> Information Retrieval</a:t>
             </a:r>
           </a:p>
           <a:p>
             <a:r>
-              <a:rPr lang="en-US" altLang="en-US" sz="1800" dirty="0"/>
+              <a:rPr lang="en-US" altLang="en-US" sz="1800" dirty="0" smtClean="0"/>
               <a:t>Analysis of Clinical Text</a:t>
             </a:r>
           </a:p>
@@ -15001,36 +15237,42 @@
           </a:p>
           <a:p>
             <a:r>
-              <a:rPr lang="en-US" altLang="en-US" sz="1800" dirty="0"/>
+              <a:rPr lang="en-US" altLang="en-US" sz="1800" dirty="0" smtClean="0"/>
               <a:t>Text to SQL</a:t>
             </a:r>
           </a:p>
           <a:p>
             <a:r>
-              <a:rPr lang="en-US" altLang="en-US" sz="1800" dirty="0"/>
+              <a:rPr lang="en-US" altLang="en-US" sz="1800" dirty="0" smtClean="0"/>
               <a:t>Dialogue systems</a:t>
             </a:r>
           </a:p>
           <a:p>
             <a:r>
-              <a:rPr lang="en-US" altLang="en-US" sz="1800" dirty="0"/>
-              <a:t>Multilingual computing</a:t>
-            </a:r>
-          </a:p>
-          <a:p>
-            <a:r>
-              <a:rPr lang="en-US" altLang="en-US" sz="1800" dirty="0"/>
+              <a:rPr lang="en-US" altLang="en-US" sz="1800" dirty="0" smtClean="0"/>
+              <a:t>Multilingual </a:t>
+            </a:r>
+            <a:r>
+              <a:rPr lang="en-US" altLang="en-US" sz="1800" dirty="0" smtClean="0"/>
+              <a:t>computing</a:t>
+            </a:r>
+          </a:p>
+          <a:p>
+            <a:r>
+              <a:rPr lang="en-US" altLang="en-US" sz="1800" dirty="0" smtClean="0"/>
               <a:t>Joint projects with the School of Management</a:t>
             </a:r>
+            <a:endParaRPr lang="en-US" altLang="en-US" sz="1800" dirty="0" smtClean="0"/>
           </a:p>
           <a:p>
             <a:endParaRPr lang="en-US" altLang="en-US" sz="1800" dirty="0"/>
           </a:p>
           <a:p>
             <a:r>
-              <a:rPr lang="en-US" altLang="en-US" sz="1800" b="1" dirty="0"/>
+              <a:rPr lang="en-US" altLang="en-US" sz="1800" b="1" dirty="0" smtClean="0"/>
               <a:t>Ask me for details</a:t>
             </a:r>
+            <a:endParaRPr lang="en-US" altLang="en-US" sz="1800" b="1" dirty="0" smtClean="0"/>
           </a:p>
         </p:txBody>
       </p:sp>
@@ -15044,6 +15286,13 @@
   <p:clrMapOvr>
     <a:masterClrMapping/>
   </p:clrMapOvr>
+  <p:timing>
+    <p:tnLst>
+      <p:par>
+        <p:cTn id="1" dur="indefinite" restart="never" nodeType="tmRoot"/>
+      </p:par>
+    </p:tnLst>
+  </p:timing>
 </p:sld>
 </file>
 
@@ -15080,9 +15329,10 @@
           <a:lstStyle/>
           <a:p>
             <a:r>
-              <a:rPr lang="en-US" dirty="0"/>
+              <a:rPr lang="en-US" dirty="0" smtClean="0"/>
               <a:t>Academic Honesty</a:t>
             </a:r>
+            <a:endParaRPr lang="en-US" dirty="0"/>
           </a:p>
         </p:txBody>
       </p:sp>
@@ -15112,18 +15362,57 @@
               <a:rPr lang="en-US" sz="2000" dirty="0"/>
               <a:t>Unless otherwise specified in an assignment all submitted work must be your own, original work. Any excerpts, statements, or phrases from the work of others must be clearly identified as a quotation, and a proper citation provided. </a:t>
             </a:r>
-          </a:p>
-          <a:p>
+            <a:endParaRPr lang="en-US" sz="2000" dirty="0" smtClean="0"/>
+          </a:p>
+          <a:p>
+            <a:r>
+              <a:rPr lang="en-US" sz="2000" dirty="0" smtClean="0"/>
+              <a:t>Any </a:t>
+            </a:r>
             <a:r>
               <a:rPr lang="en-US" sz="2000" dirty="0"/>
-              <a:t>Any violation of the University’s policy on Academic and Professional Integrity will result in serious penalties, which might range from failing an assignment, to failing a course, to being expelled from the program. </a:t>
-            </a:r>
-          </a:p>
-          <a:p>
+              <a:t>violation of the </a:t>
+            </a:r>
+            <a:r>
+              <a:rPr lang="en-US" sz="2000" dirty="0" smtClean="0"/>
+              <a:t>University’s </a:t>
+            </a:r>
             <a:r>
               <a:rPr lang="en-US" sz="2000" dirty="0"/>
-              <a:t>Violations of academic and professional integrity will be reported to Student Affairs. Consequences impacting assignment or course grades are determined by the faculty instructor; additional sanctions may be imposed.</a:t>
-            </a:r>
+              <a:t>policy on Academic and Professional Integrity </a:t>
+            </a:r>
+            <a:r>
+              <a:rPr lang="en-US" sz="2000" dirty="0" smtClean="0"/>
+              <a:t>will </a:t>
+            </a:r>
+            <a:r>
+              <a:rPr lang="en-US" sz="2000" dirty="0"/>
+              <a:t>result in serious penalties, which might range from failing an assignment, to failing a course, to being expelled from the program. </a:t>
+            </a:r>
+            <a:endParaRPr lang="en-US" sz="2000" dirty="0" smtClean="0"/>
+          </a:p>
+          <a:p>
+            <a:r>
+              <a:rPr lang="en-US" sz="2000" dirty="0" smtClean="0"/>
+              <a:t>Violations </a:t>
+            </a:r>
+            <a:r>
+              <a:rPr lang="en-US" sz="2000" dirty="0"/>
+              <a:t>of academic and professional integrity will be reported to </a:t>
+            </a:r>
+            <a:r>
+              <a:rPr lang="en-US" sz="2000" dirty="0" smtClean="0"/>
+              <a:t>Student </a:t>
+            </a:r>
+            <a:r>
+              <a:rPr lang="en-US" sz="2000" dirty="0"/>
+              <a:t>Affairs. Consequences impacting assignment or course grades are determined by the faculty instructor; additional sanctions may be </a:t>
+            </a:r>
+            <a:r>
+              <a:rPr lang="en-US" sz="2000" dirty="0" smtClean="0"/>
+              <a:t>imposed.</a:t>
+            </a:r>
+            <a:endParaRPr lang="en-US" sz="2000" dirty="0"/>
           </a:p>
         </p:txBody>
       </p:sp>
@@ -15353,9 +15642,10 @@
           <a:lstStyle/>
           <a:p>
             <a:r>
-              <a:rPr lang="en-US" sz="3200" dirty="0"/>
+              <a:rPr lang="en-US" sz="3200" dirty="0" smtClean="0"/>
               <a:t>Student Mental Health and Wellbeing</a:t>
             </a:r>
+            <a:endParaRPr lang="en-US" sz="3200" dirty="0"/>
           </a:p>
         </p:txBody>
       </p:sp>
@@ -15382,29 +15672,47 @@
           <a:lstStyle/>
           <a:p>
             <a:r>
+              <a:rPr lang="en-US" sz="2400" dirty="0" smtClean="0"/>
+              <a:t>Yale University is </a:t>
+            </a:r>
+            <a:r>
               <a:rPr lang="en-US" sz="2400" dirty="0"/>
-              <a:t>Yale University is committed to advancing the mental health and wellbeing of its students. </a:t>
-            </a:r>
-          </a:p>
-          <a:p>
+              <a:t>committed to advancing the mental health and wellbeing of its students. </a:t>
+            </a:r>
+            <a:endParaRPr lang="en-US" sz="2400" dirty="0" smtClean="0"/>
+          </a:p>
+          <a:p>
+            <a:r>
+              <a:rPr lang="en-US" sz="2400" dirty="0" smtClean="0"/>
+              <a:t>If </a:t>
+            </a:r>
             <a:r>
               <a:rPr lang="en-US" sz="2400" dirty="0"/>
-              <a:t>If you or someone you know is feeling overwhelmed, depressed, and/or in need of support, services are available. Yale Counseling: </a:t>
+              <a:t>you or someone you know is feeling overwhelmed, depressed, and/or in need of support, services are available. </a:t>
+            </a:r>
+            <a:r>
+              <a:rPr lang="en-US" sz="2400" dirty="0" smtClean="0"/>
+              <a:t>Yale Counseling: </a:t>
             </a:r>
             <a:r>
               <a:rPr lang="en-US" sz="2400" b="1" dirty="0"/>
-              <a:t>203-432-0290, 203-432-0123 </a:t>
-            </a:r>
-            <a:r>
-              <a:rPr lang="en-US" sz="2400" dirty="0"/>
+              <a:t>203-432-0290, </a:t>
+            </a:r>
+            <a:r>
+              <a:rPr lang="en-US" sz="2400" b="1" dirty="0" smtClean="0"/>
+              <a:t>203-432-0123 </a:t>
+            </a:r>
+            <a:r>
+              <a:rPr lang="en-US" sz="2400" dirty="0" smtClean="0"/>
               <a:t>(after hours)</a:t>
             </a:r>
+            <a:endParaRPr lang="en-US" sz="2400" dirty="0"/>
           </a:p>
           <a:p>
             <a:endParaRPr lang="en-US" sz="2400" b="1" dirty="0"/>
           </a:p>
           <a:p>
-            <a:endParaRPr lang="en-US" sz="2400" dirty="0"/>
+            <a:endParaRPr lang="en-US" sz="2400" dirty="0" smtClean="0"/>
           </a:p>
           <a:p>
             <a:endParaRPr lang="en-US" sz="2400" dirty="0"/>
@@ -15588,9 +15896,10 @@
           <a:lstStyle/>
           <a:p>
             <a:r>
-              <a:rPr lang="en-US" dirty="0"/>
+              <a:rPr lang="en-US" dirty="0" smtClean="0"/>
               <a:t>Students with Disabilities</a:t>
             </a:r>
+            <a:endParaRPr lang="en-US" dirty="0"/>
           </a:p>
         </p:txBody>
       </p:sp>
@@ -15620,17 +15929,27 @@
               <a:rPr lang="en-US" sz="2400" dirty="0"/>
               <a:t>If you think you need an accommodation for a disability, please let me know at your earliest convenience. </a:t>
             </a:r>
-          </a:p>
-          <a:p>
+            <a:endParaRPr lang="en-US" sz="2400" dirty="0" smtClean="0"/>
+          </a:p>
+          <a:p>
+            <a:r>
+              <a:rPr lang="en-US" sz="2400" dirty="0" smtClean="0"/>
+              <a:t>Some </a:t>
+            </a:r>
             <a:r>
               <a:rPr lang="en-US" sz="2400" dirty="0"/>
-              <a:t>Some aspects of this course, the assignments, the in-class activities, and the way we teach may be modified to facilitate your participation and progress. </a:t>
-            </a:r>
-          </a:p>
-          <a:p>
+              <a:t>aspects of this course, the assignments, the in-class activities, and the way we teach may be modified to facilitate your participation and progress. </a:t>
+            </a:r>
+            <a:endParaRPr lang="en-US" sz="2400" dirty="0" smtClean="0"/>
+          </a:p>
+          <a:p>
+            <a:r>
+              <a:rPr lang="en-US" sz="2400" dirty="0" smtClean="0"/>
+              <a:t>I </a:t>
+            </a:r>
             <a:r>
               <a:rPr lang="en-US" sz="2400" dirty="0"/>
-              <a:t>I will treat any information that you provide in as confidential a manner as possible. </a:t>
+              <a:t>will treat any information that you provide in as confidential a manner as possible. </a:t>
             </a:r>
           </a:p>
         </p:txBody>
@@ -15862,7 +16181,7 @@
           <a:p>
             <a:pPr eaLnBrk="1" hangingPunct="1"/>
             <a:r>
-              <a:rPr lang="en-US" altLang="en-US" dirty="0"/>
+              <a:rPr lang="en-US" altLang="en-US" dirty="0" smtClean="0"/>
               <a:t>Movie Quote</a:t>
             </a:r>
           </a:p>
@@ -15884,9 +16203,10 @@
           <a:lstStyle/>
           <a:p>
             <a:r>
-              <a:rPr lang="en-US" dirty="0"/>
+              <a:rPr lang="en-US" dirty="0" smtClean="0"/>
               <a:t>Where is this quote from?</a:t>
             </a:r>
+            <a:endParaRPr lang="en-US" dirty="0"/>
           </a:p>
         </p:txBody>
       </p:sp>
@@ -16282,11 +16602,14 @@
           <a:lstStyle/>
           <a:p>
             <a:r>
-              <a:rPr lang="en-US" sz="18000" dirty="0">
+              <a:rPr lang="en-US" sz="18000" dirty="0" smtClean="0">
                 <a:latin typeface="Rockwell Extra Bold" panose="02060903040505020403" pitchFamily="18" charset="0"/>
               </a:rPr>
               <a:t>NLP</a:t>
             </a:r>
+            <a:endParaRPr lang="en-US" sz="18000" dirty="0">
+              <a:latin typeface="Rockwell Extra Bold" panose="02060903040505020403" pitchFamily="18" charset="0"/>
+            </a:endParaRPr>
           </a:p>
         </p:txBody>
       </p:sp>
@@ -16300,6 +16623,13 @@
   <p:clrMapOvr>
     <a:masterClrMapping/>
   </p:clrMapOvr>
+  <p:timing>
+    <p:tnLst>
+      <p:par>
+        <p:cTn id="1" dur="indefinite" restart="never" nodeType="tmRoot"/>
+      </p:par>
+    </p:tnLst>
+  </p:timing>
 </p:sld>
 </file>
 
@@ -16337,7 +16667,7 @@
           <a:p>
             <a:pPr eaLnBrk="1" hangingPunct="1"/>
             <a:r>
-              <a:rPr lang="en-US" altLang="en-US" dirty="0"/>
+              <a:rPr lang="en-US" altLang="en-US" dirty="0" smtClean="0"/>
               <a:t>Answer</a:t>
             </a:r>
           </a:p>
@@ -16364,21 +16694,21 @@
           <a:lstStyle/>
           <a:p>
             <a:r>
-              <a:rPr lang="en-US" dirty="0"/>
+              <a:rPr lang="en-US" dirty="0" smtClean="0"/>
               <a:t>“2001: A Space Odyssey” </a:t>
             </a:r>
           </a:p>
           <a:p>
             <a:pPr lvl="1"/>
             <a:r>
-              <a:rPr lang="en-US" dirty="0"/>
+              <a:rPr lang="en-US" dirty="0" smtClean="0"/>
               <a:t>1968 film by Stanley Kubrick </a:t>
             </a:r>
           </a:p>
           <a:p>
             <a:pPr lvl="1"/>
             <a:r>
-              <a:rPr lang="en-US" dirty="0"/>
+              <a:rPr lang="en-US" dirty="0" smtClean="0"/>
               <a:t>based on a joint screenplay with Arthur C. Clarke.</a:t>
             </a:r>
           </a:p>
@@ -16438,6 +16768,14 @@
   <p:clrMapOvr>
     <a:masterClrMapping/>
   </p:clrMapOvr>
+  <mc:AlternateContent xmlns:mc="http://schemas.openxmlformats.org/markup-compatibility/2006" xmlns:p14="http://schemas.microsoft.com/office/powerpoint/2010/main">
+    <mc:Choice Requires="p14">
+      <p:transition spd="slow" p14:dur="2000"/>
+    </mc:Choice>
+    <mc:Fallback xmlns="">
+      <p:transition spd="slow"/>
+    </mc:Fallback>
+  </mc:AlternateContent>
   <p:timing>
     <p:tnLst>
       <p:par>
@@ -16664,7 +17002,7 @@
           <a:p>
             <a:pPr eaLnBrk="1" hangingPunct="1"/>
             <a:r>
-              <a:rPr lang="en-US" altLang="en-US" dirty="0"/>
+              <a:rPr lang="en-US" altLang="en-US" dirty="0" smtClean="0"/>
               <a:t>IBM Watson</a:t>
             </a:r>
           </a:p>
@@ -16928,6 +17266,14 @@
   <p:clrMapOvr>
     <a:masterClrMapping/>
   </p:clrMapOvr>
+  <mc:AlternateContent xmlns:mc="http://schemas.openxmlformats.org/markup-compatibility/2006" xmlns:p14="http://schemas.microsoft.com/office/powerpoint/2010/main">
+    <mc:Choice Requires="p14">
+      <p:transition spd="slow" p14:dur="2000"/>
+    </mc:Choice>
+    <mc:Fallback xmlns="">
+      <p:transition spd="slow"/>
+    </mc:Fallback>
+  </mc:AlternateContent>
   <p:timing>
     <p:tnLst>
       <p:par>
@@ -17093,7 +17439,7 @@
           <a:p>
             <a:pPr eaLnBrk="1" hangingPunct="1"/>
             <a:r>
-              <a:rPr lang="en-US" altLang="en-US" dirty="0"/>
+              <a:rPr lang="en-US" altLang="en-US" dirty="0" smtClean="0"/>
               <a:t>What is Natural Language Processing</a:t>
             </a:r>
           </a:p>
@@ -17123,37 +17469,66 @@
           <a:p>
             <a:pPr eaLnBrk="1" hangingPunct="1"/>
             <a:r>
-              <a:rPr lang="en-US" altLang="en-US" sz="2400" dirty="0"/>
+              <a:rPr lang="en-US" altLang="en-US" sz="2400" dirty="0" smtClean="0"/>
               <a:t>Natural Language Processing (NLP) </a:t>
             </a:r>
           </a:p>
           <a:p>
             <a:pPr lvl="1"/>
             <a:r>
-              <a:rPr lang="en-US" altLang="en-US" sz="1800" dirty="0"/>
-              <a:t>The study of the computational treatment of natural (human) language.</a:t>
+              <a:rPr lang="en-US" altLang="en-US" sz="1800" dirty="0" smtClean="0"/>
+              <a:t>The study </a:t>
+            </a:r>
+            <a:r>
+              <a:rPr lang="en-US" altLang="en-US" sz="1800" dirty="0" smtClean="0"/>
+              <a:t>of the computational treatment of natural (human) language.</a:t>
             </a:r>
           </a:p>
           <a:p>
             <a:pPr lvl="1"/>
             <a:r>
-              <a:rPr lang="en-US" altLang="en-US" sz="1800" dirty="0"/>
-              <a:t>In other words, building computers that understand (and generate) language.</a:t>
+              <a:rPr lang="en-US" altLang="en-US" sz="1800" dirty="0" smtClean="0"/>
+              <a:t>In other words, </a:t>
+            </a:r>
+            <a:r>
+              <a:rPr lang="en-US" altLang="en-US" sz="1800" dirty="0" smtClean="0"/>
+              <a:t>building computers </a:t>
+            </a:r>
+            <a:r>
+              <a:rPr lang="en-US" altLang="en-US" sz="1800" dirty="0" smtClean="0"/>
+              <a:t>that </a:t>
+            </a:r>
+            <a:r>
+              <a:rPr lang="en-US" altLang="en-US" sz="1800" dirty="0" smtClean="0"/>
+              <a:t>understand </a:t>
+            </a:r>
+            <a:r>
+              <a:rPr lang="en-US" altLang="en-US" sz="1800" dirty="0" smtClean="0"/>
+              <a:t>(and generate) </a:t>
+            </a:r>
+            <a:r>
+              <a:rPr lang="en-US" altLang="en-US" sz="1800" dirty="0" smtClean="0"/>
+              <a:t>language</a:t>
+            </a:r>
+            <a:r>
+              <a:rPr lang="en-US" altLang="en-US" sz="1800" dirty="0" smtClean="0"/>
+              <a:t>.</a:t>
             </a:r>
           </a:p>
           <a:p>
             <a:pPr eaLnBrk="1" hangingPunct="1"/>
             <a:r>
-              <a:rPr lang="en-US" altLang="en-US" sz="2400" dirty="0"/>
+              <a:rPr lang="en-US" altLang="en-US" sz="2400" dirty="0" smtClean="0"/>
               <a:t>Computational Linguistics (CL)</a:t>
             </a:r>
           </a:p>
           <a:p>
             <a:pPr lvl="1"/>
             <a:r>
-              <a:rPr lang="en-US" altLang="en-US" sz="1900" dirty="0"/>
+              <a:rPr lang="en-US" altLang="en-US" sz="1900" dirty="0" smtClean="0"/>
               <a:t>The use of computers to study language</a:t>
             </a:r>
+            <a:endParaRPr lang="en-US" altLang="en-US" sz="1900" dirty="0" smtClean="0"/>
           </a:p>
         </p:txBody>
       </p:sp>
@@ -17613,7 +17988,7 @@
           <a:p>
             <a:pPr eaLnBrk="1" hangingPunct="1"/>
             <a:r>
-              <a:rPr lang="en-US" altLang="en-US" dirty="0"/>
+              <a:rPr lang="en-US" altLang="en-US" dirty="0" smtClean="0"/>
               <a:t>Modern Applications</a:t>
             </a:r>
           </a:p>
@@ -17643,97 +18018,102 @@
           <a:p>
             <a:pPr eaLnBrk="1" hangingPunct="1"/>
             <a:r>
+              <a:rPr lang="en-US" altLang="en-US" dirty="0" smtClean="0"/>
+              <a:t>Search engines</a:t>
+            </a:r>
+          </a:p>
+          <a:p>
+            <a:pPr lvl="1"/>
+            <a:r>
+              <a:rPr lang="en-US" altLang="en-US" dirty="0" smtClean="0"/>
+              <a:t>Google, Bing, Baidu, </a:t>
+            </a:r>
+            <a:r>
+              <a:rPr lang="en-US" altLang="en-US" dirty="0" err="1" smtClean="0"/>
+              <a:t>Yandex</a:t>
+            </a:r>
+            <a:endParaRPr lang="en-US" altLang="en-US" dirty="0" smtClean="0"/>
+          </a:p>
+          <a:p>
+            <a:r>
               <a:rPr lang="en-US" altLang="en-US" dirty="0"/>
-              <a:t>Search engines</a:t>
+              <a:t>Question </a:t>
+            </a:r>
+            <a:r>
+              <a:rPr lang="en-US" altLang="en-US" dirty="0" smtClean="0"/>
+              <a:t>answering</a:t>
             </a:r>
           </a:p>
           <a:p>
             <a:pPr lvl="1"/>
             <a:r>
-              <a:rPr lang="en-US" altLang="en-US" dirty="0"/>
-              <a:t>Google, Bing, Baidu, </a:t>
-            </a:r>
-            <a:r>
-              <a:rPr lang="en-US" altLang="en-US" dirty="0" err="1"/>
-              <a:t>Yandex</a:t>
+              <a:rPr lang="en-US" altLang="en-US" dirty="0" smtClean="0"/>
+              <a:t>IBM Watson</a:t>
             </a:r>
             <a:endParaRPr lang="en-US" altLang="en-US" dirty="0"/>
           </a:p>
           <a:p>
-            <a:r>
-              <a:rPr lang="en-US" altLang="en-US" dirty="0"/>
-              <a:t>Question answering</a:t>
+            <a:pPr eaLnBrk="1" hangingPunct="1"/>
+            <a:r>
+              <a:rPr lang="en-US" altLang="en-US" dirty="0" smtClean="0"/>
+              <a:t>Natural language assistants</a:t>
             </a:r>
           </a:p>
           <a:p>
             <a:pPr lvl="1"/>
             <a:r>
-              <a:rPr lang="en-US" altLang="en-US" dirty="0"/>
-              <a:t>IBM Watson</a:t>
+              <a:rPr lang="en-US" altLang="en-US" dirty="0" smtClean="0"/>
+              <a:t>Apple’s Siri, MS Cortana</a:t>
             </a:r>
           </a:p>
           <a:p>
             <a:pPr eaLnBrk="1" hangingPunct="1"/>
             <a:r>
-              <a:rPr lang="en-US" altLang="en-US" dirty="0"/>
-              <a:t>Natural language assistants</a:t>
+              <a:rPr lang="en-US" altLang="en-US" dirty="0" smtClean="0"/>
+              <a:t>Translation systems</a:t>
             </a:r>
           </a:p>
           <a:p>
             <a:pPr lvl="1"/>
             <a:r>
-              <a:rPr lang="en-US" altLang="en-US" dirty="0"/>
-              <a:t>Apple’s Siri, MS Cortana</a:t>
+              <a:rPr lang="en-US" altLang="en-US" dirty="0" smtClean="0"/>
+              <a:t>Google Translate</a:t>
             </a:r>
           </a:p>
           <a:p>
             <a:pPr eaLnBrk="1" hangingPunct="1"/>
             <a:r>
-              <a:rPr lang="en-US" altLang="en-US" dirty="0"/>
-              <a:t>Translation systems</a:t>
+              <a:rPr lang="en-US" altLang="en-US" dirty="0" smtClean="0"/>
+              <a:t>Automated earthquake reports</a:t>
             </a:r>
           </a:p>
           <a:p>
             <a:pPr lvl="1"/>
             <a:r>
-              <a:rPr lang="en-US" altLang="en-US" dirty="0"/>
-              <a:t>Google Translate</a:t>
+              <a:rPr lang="en-US" altLang="en-US" dirty="0" smtClean="0"/>
+              <a:t>LA Times</a:t>
+            </a:r>
+          </a:p>
+          <a:p>
+            <a:r>
+              <a:rPr lang="en-US" altLang="en-US" dirty="0" smtClean="0"/>
+              <a:t>Automated stock market reports</a:t>
+            </a:r>
+          </a:p>
+          <a:p>
+            <a:pPr lvl="1"/>
+            <a:r>
+              <a:rPr lang="en-US" altLang="en-US" dirty="0" smtClean="0"/>
+              <a:t>Narrative Science</a:t>
             </a:r>
           </a:p>
           <a:p>
             <a:pPr eaLnBrk="1" hangingPunct="1"/>
-            <a:r>
-              <a:rPr lang="en-US" altLang="en-US" dirty="0"/>
-              <a:t>Automated earthquake reports</a:t>
-            </a:r>
-          </a:p>
-          <a:p>
-            <a:pPr lvl="1"/>
-            <a:r>
-              <a:rPr lang="en-US" altLang="en-US" dirty="0"/>
-              <a:t>LA Times</a:t>
-            </a:r>
-          </a:p>
-          <a:p>
-            <a:r>
-              <a:rPr lang="en-US" altLang="en-US" dirty="0"/>
-              <a:t>Automated stock market reports</a:t>
-            </a:r>
-          </a:p>
-          <a:p>
-            <a:pPr lvl="1"/>
-            <a:r>
-              <a:rPr lang="en-US" altLang="en-US" dirty="0"/>
-              <a:t>Narrative Science</a:t>
-            </a:r>
+            <a:endParaRPr lang="en-US" altLang="en-US" dirty="0" smtClean="0"/>
           </a:p>
           <a:p>
             <a:pPr eaLnBrk="1" hangingPunct="1"/>
-            <a:endParaRPr lang="en-US" altLang="en-US" dirty="0"/>
-          </a:p>
-          <a:p>
-            <a:pPr eaLnBrk="1" hangingPunct="1"/>
-            <a:endParaRPr lang="en-US" altLang="en-US" dirty="0"/>
+            <a:endParaRPr lang="en-US" altLang="en-US" dirty="0" smtClean="0"/>
           </a:p>
         </p:txBody>
       </p:sp>
@@ -18405,7 +18785,7 @@
           <a:p>
             <a:pPr eaLnBrk="1" hangingPunct="1"/>
             <a:r>
-              <a:rPr lang="en-US" altLang="en-US" dirty="0"/>
+              <a:rPr lang="en-US" altLang="en-US" dirty="0" smtClean="0"/>
               <a:t>Notes</a:t>
             </a:r>
           </a:p>
@@ -18435,28 +18815,40 @@
           <a:p>
             <a:pPr eaLnBrk="1" hangingPunct="1"/>
             <a:r>
+              <a:rPr lang="en-US" altLang="en-US" dirty="0" smtClean="0"/>
+              <a:t>Computers are confused by (human) language</a:t>
+            </a:r>
+          </a:p>
+          <a:p>
+            <a:pPr lvl="1"/>
+            <a:r>
+              <a:rPr lang="en-US" altLang="en-US" dirty="0" smtClean="0"/>
+              <a:t>Specific techniques are needed</a:t>
+            </a:r>
+          </a:p>
+          <a:p>
+            <a:r>
               <a:rPr lang="en-US" altLang="en-US" dirty="0"/>
-              <a:t>Computers are confused by (human) language</a:t>
+              <a:t>NLP draws on research in </a:t>
+            </a:r>
+            <a:r>
+              <a:rPr lang="en-US" altLang="en-US" dirty="0" smtClean="0"/>
+              <a:t>many fields</a:t>
             </a:r>
           </a:p>
           <a:p>
             <a:pPr lvl="1"/>
             <a:r>
+              <a:rPr lang="en-US" altLang="en-US" dirty="0" smtClean="0"/>
+              <a:t>Linguistics</a:t>
+            </a:r>
+            <a:r>
               <a:rPr lang="en-US" altLang="en-US" dirty="0"/>
-              <a:t>Specific techniques are needed</a:t>
-            </a:r>
-          </a:p>
-          <a:p>
-            <a:r>
-              <a:rPr lang="en-US" altLang="en-US" dirty="0"/>
-              <a:t>NLP draws on research in many fields</a:t>
-            </a:r>
-          </a:p>
-          <a:p>
-            <a:pPr lvl="1"/>
-            <a:r>
-              <a:rPr lang="en-US" altLang="en-US" dirty="0"/>
-              <a:t>Linguistics, Theoretical Computer Science, Mathematics, Statistics, Artificial Intelligence, Psychology, Databases, etc.</a:t>
+              <a:t>, Theoretical Computer Science, Mathematics, Statistics, Artificial Intelligence, Psychology, Databases, etc</a:t>
+            </a:r>
+            <a:r>
+              <a:rPr lang="en-US" altLang="en-US" dirty="0" smtClean="0"/>
+              <a:t>.</a:t>
             </a:r>
           </a:p>
         </p:txBody>
@@ -18737,7 +19129,7 @@
           <a:p>
             <a:pPr eaLnBrk="1" hangingPunct="1"/>
             <a:r>
-              <a:rPr lang="en-US" altLang="en-US" dirty="0"/>
+              <a:rPr lang="en-US" altLang="en-US" dirty="0" smtClean="0"/>
               <a:t>CPSC 477/577</a:t>
             </a:r>
           </a:p>
@@ -18767,106 +19159,111 @@
           <a:p>
             <a:pPr eaLnBrk="1" hangingPunct="1"/>
             <a:r>
-              <a:rPr lang="en-US" altLang="en-US" sz="2400" dirty="0"/>
+              <a:rPr lang="en-US" altLang="en-US" sz="2400" dirty="0" smtClean="0"/>
               <a:t>Instructor:</a:t>
             </a:r>
           </a:p>
           <a:p>
             <a:pPr lvl="1" eaLnBrk="1" hangingPunct="1"/>
             <a:r>
-              <a:rPr lang="en-US" altLang="en-US" dirty="0"/>
+              <a:rPr lang="en-US" altLang="en-US" dirty="0" smtClean="0"/>
               <a:t>Dragomir Radev</a:t>
             </a:r>
           </a:p>
           <a:p>
             <a:pPr lvl="1" eaLnBrk="1" hangingPunct="1"/>
             <a:r>
-              <a:rPr lang="en-US" altLang="en-US" dirty="0"/>
+              <a:rPr lang="en-US" altLang="en-US" dirty="0" smtClean="0"/>
               <a:t>dragomir.radev@yale.edu</a:t>
             </a:r>
           </a:p>
           <a:p>
             <a:pPr eaLnBrk="1" hangingPunct="1"/>
             <a:r>
-              <a:rPr lang="en-US" altLang="en-US" sz="2400" dirty="0"/>
+              <a:rPr lang="en-US" altLang="en-US" sz="2400" dirty="0" smtClean="0"/>
               <a:t>Class times:</a:t>
             </a:r>
           </a:p>
           <a:p>
             <a:pPr lvl="1" eaLnBrk="1" hangingPunct="1"/>
             <a:r>
-              <a:rPr lang="en-US" altLang="en-US" dirty="0" err="1"/>
+              <a:rPr lang="en-US" altLang="en-US" dirty="0" err="1" smtClean="0"/>
               <a:t>TTh</a:t>
             </a:r>
             <a:r>
-              <a:rPr lang="en-US" altLang="en-US" dirty="0"/>
+              <a:rPr lang="en-US" altLang="en-US" dirty="0" smtClean="0"/>
               <a:t> 1-2:15</a:t>
             </a:r>
           </a:p>
           <a:p>
             <a:pPr lvl="1" eaLnBrk="1" hangingPunct="1"/>
             <a:r>
-              <a:rPr lang="en-US" altLang="en-US" dirty="0"/>
+              <a:rPr lang="en-US" altLang="en-US" dirty="0" smtClean="0"/>
               <a:t>Location: </a:t>
             </a:r>
             <a:r>
-              <a:rPr lang="en-US" altLang="en-US" dirty="0" err="1"/>
+              <a:rPr lang="en-US" altLang="en-US" dirty="0" err="1" smtClean="0"/>
               <a:t>tba</a:t>
             </a:r>
-            <a:endParaRPr lang="en-US" altLang="en-US" dirty="0"/>
+            <a:endParaRPr lang="en-US" altLang="en-US" dirty="0" smtClean="0"/>
           </a:p>
           <a:p>
             <a:pPr eaLnBrk="1" hangingPunct="1"/>
             <a:r>
-              <a:rPr lang="en-US" altLang="en-US" sz="2400" dirty="0"/>
+              <a:rPr lang="en-US" altLang="en-US" sz="2400" dirty="0" smtClean="0"/>
               <a:t>TF/ULA:</a:t>
             </a:r>
           </a:p>
           <a:p>
             <a:pPr lvl="1"/>
             <a:r>
-              <a:rPr lang="en-US" dirty="0"/>
+              <a:rPr lang="en-US" dirty="0" smtClean="0"/>
               <a:t>Alex </a:t>
             </a:r>
             <a:r>
-              <a:rPr lang="en-US" dirty="0" err="1"/>
+              <a:rPr lang="en-US" dirty="0" err="1" smtClean="0"/>
               <a:t>Fabbri</a:t>
             </a:r>
             <a:r>
-              <a:rPr lang="en-US" dirty="0"/>
+              <a:rPr lang="en-US" dirty="0" smtClean="0"/>
               <a:t>, Tao Yu, Suyi Li</a:t>
             </a:r>
           </a:p>
           <a:p>
             <a:pPr lvl="1"/>
             <a:r>
-              <a:rPr lang="en-US" dirty="0"/>
+              <a:rPr lang="en-US" dirty="0" smtClean="0"/>
               <a:t>Tomoe </a:t>
             </a:r>
             <a:r>
-              <a:rPr lang="en-US" dirty="0" err="1"/>
+              <a:rPr lang="en-US" dirty="0" err="1" smtClean="0"/>
               <a:t>Mizutani</a:t>
             </a:r>
             <a:r>
-              <a:rPr lang="en-US" dirty="0"/>
-              <a:t>, Will Merrill, Angus Fong, </a:t>
-            </a:r>
-            <a:r>
-              <a:rPr lang="en-US" dirty="0" err="1"/>
+              <a:rPr lang="en-US" dirty="0" smtClean="0"/>
+              <a:t>, Will Merrill, Angus Fong</a:t>
+            </a:r>
+            <a:r>
+              <a:rPr lang="en-US" dirty="0" smtClean="0"/>
+              <a:t>, </a:t>
+            </a:r>
+            <a:r>
+              <a:rPr lang="en-US" dirty="0" err="1" smtClean="0"/>
               <a:t>Anshuman</a:t>
             </a:r>
             <a:r>
-              <a:rPr lang="en-US" dirty="0"/>
+              <a:rPr lang="en-US" dirty="0" smtClean="0"/>
               <a:t> </a:t>
             </a:r>
             <a:r>
-              <a:rPr lang="en-US" dirty="0" err="1"/>
+              <a:rPr lang="en-US" dirty="0" err="1" smtClean="0"/>
               <a:t>Radhakrishnan</a:t>
             </a:r>
             <a:r>
-              <a:rPr lang="en-US" dirty="0"/>
+              <a:rPr lang="en-US" dirty="0" smtClean="0"/>
               <a:t> </a:t>
             </a:r>
+            <a:endParaRPr lang="en-US" dirty="0" smtClean="0"/>
           </a:p>
         </p:txBody>
       </p:sp>
